--- a/TMOOC/智能硬件/001-智能血压计/V1.0/06-STM32F407 时钟系统/PPT/06-STM32F407 时钟系统.pptx
+++ b/TMOOC/智能硬件/001-智能血压计/V1.0/06-STM32F407 时钟系统/PPT/06-STM32F407 时钟系统.pptx
@@ -246,7 +246,7 @@
           <a:p>
             <a:fld id="{82A0A6CE-0ADA-4A38-B664-5BC57754ADD0}" type="datetimeFigureOut">
               <a:rPr lang="zh-CN" altLang="en-US" smtClean="0"/>
-              <a:t>2015/3/31</a:t>
+              <a:t>2015/9/16</a:t>
             </a:fld>
             <a:endParaRPr lang="zh-CN" altLang="en-US"/>
           </a:p>
@@ -469,7 +469,7 @@
             <a:fld id="{82A0A6CE-0ADA-4A38-B664-5BC57754ADD0}" type="datetimeFigureOut">
               <a:rPr lang="zh-CN" altLang="en-US" smtClean="0"/>
               <a:pPr/>
-              <a:t>2015/3/31</a:t>
+              <a:t>2015/9/16</a:t>
             </a:fld>
             <a:endParaRPr lang="zh-CN" altLang="en-US"/>
           </a:p>
@@ -707,7 +707,7 @@
             <a:fld id="{82A0A6CE-0ADA-4A38-B664-5BC57754ADD0}" type="datetimeFigureOut">
               <a:rPr lang="zh-CN" altLang="en-US" smtClean="0"/>
               <a:pPr/>
-              <a:t>2015/3/31</a:t>
+              <a:t>2015/9/16</a:t>
             </a:fld>
             <a:endParaRPr lang="zh-CN" altLang="en-US"/>
           </a:p>
@@ -1066,7 +1066,7 @@
             <a:fld id="{82A0A6CE-0ADA-4A38-B664-5BC57754ADD0}" type="datetimeFigureOut">
               <a:rPr lang="zh-CN" altLang="en-US" smtClean="0"/>
               <a:pPr/>
-              <a:t>2015/3/31</a:t>
+              <a:t>2015/9/16</a:t>
             </a:fld>
             <a:endParaRPr lang="zh-CN" altLang="en-US"/>
           </a:p>
@@ -1304,7 +1304,7 @@
             <a:fld id="{82A0A6CE-0ADA-4A38-B664-5BC57754ADD0}" type="datetimeFigureOut">
               <a:rPr lang="zh-CN" altLang="en-US" smtClean="0"/>
               <a:pPr/>
-              <a:t>2015/3/31</a:t>
+              <a:t>2015/9/16</a:t>
             </a:fld>
             <a:endParaRPr lang="zh-CN" altLang="en-US"/>
           </a:p>
@@ -1729,7 +1729,15 @@
           <a:bodyPr/>
           <a:lstStyle/>
           <a:p>
-            <a:endParaRPr lang="zh-CN" altLang="en-US"/>
+            <a:r>
+              <a:rPr lang="en-US" altLang="zh-CN" dirty="0"/>
+              <a:t>STM32F407 </a:t>
+            </a:r>
+            <a:r>
+              <a:rPr lang="zh-CN" altLang="en-US" dirty="0"/>
+              <a:t>时钟系统</a:t>
+            </a:r>
+            <a:endParaRPr lang="zh-CN" altLang="en-US" dirty="0"/>
           </a:p>
         </p:txBody>
       </p:sp>
@@ -1757,12 +1765,12 @@
               <a:t>STM32</a:t>
             </a:r>
             <a:r>
-              <a:rPr lang="zh-CN" altLang="en-US"/>
+              <a:rPr lang="zh-CN" altLang="en-US" dirty="0"/>
               <a:t>智能血压计开发实战</a:t>
             </a:r>
           </a:p>
           <a:p>
-            <a:endParaRPr lang="zh-CN" altLang="en-US"/>
+            <a:endParaRPr lang="zh-CN" altLang="en-US" dirty="0"/>
           </a:p>
         </p:txBody>
       </p:sp>

--- a/TMOOC/智能硬件/001-智能血压计/V1.0/06-STM32F407 时钟系统/PPT/06-STM32F407 时钟系统.pptx
+++ b/TMOOC/智能硬件/001-智能血压计/V1.0/06-STM32F407 时钟系统/PPT/06-STM32F407 时钟系统.pptx
@@ -6,9 +6,10 @@
   </p:sldMasterIdLst>
   <p:sldIdLst>
     <p:sldId id="256" r:id="rId2"/>
-    <p:sldId id="261" r:id="rId3"/>
-    <p:sldId id="262" r:id="rId4"/>
-    <p:sldId id="260" r:id="rId5"/>
+    <p:sldId id="262" r:id="rId3"/>
+    <p:sldId id="261" r:id="rId4"/>
+    <p:sldId id="263" r:id="rId5"/>
+    <p:sldId id="260" r:id="rId6"/>
   </p:sldIdLst>
   <p:sldSz cx="12192000" cy="6858000"/>
   <p:notesSz cx="6858000" cy="9144000"/>
@@ -1737,7 +1738,6 @@
               <a:rPr lang="zh-CN" altLang="en-US" dirty="0"/>
               <a:t>时钟系统</a:t>
             </a:r>
-            <a:endParaRPr lang="zh-CN" altLang="en-US" dirty="0"/>
           </a:p>
         </p:txBody>
       </p:sp>
@@ -1838,18 +1838,26 @@
           <a:bodyPr/>
           <a:lstStyle/>
           <a:p>
-            <a:endParaRPr lang="zh-CN" altLang="en-US"/>
-          </a:p>
-        </p:txBody>
-      </p:sp>
-      <p:sp>
-        <p:nvSpPr>
-          <p:cNvPr id="5" name="文本占位符 4"/>
-          <p:cNvSpPr>
-            <a:spLocks noGrp="1"/>
-          </p:cNvSpPr>
-          <p:nvPr>
-            <p:ph type="body" idx="1"/>
+            <a:r>
+              <a:rPr lang="en-US" altLang="zh-CN" dirty="0"/>
+              <a:t>STM32F407 </a:t>
+            </a:r>
+            <a:r>
+              <a:rPr lang="zh-CN" altLang="en-US" dirty="0"/>
+              <a:t>时钟系统</a:t>
+            </a:r>
+            <a:endParaRPr lang="zh-CN" altLang="en-US" dirty="0"/>
+          </a:p>
+        </p:txBody>
+      </p:sp>
+      <p:sp>
+        <p:nvSpPr>
+          <p:cNvPr id="5" name="内容占位符 4"/>
+          <p:cNvSpPr>
+            <a:spLocks noGrp="1"/>
+          </p:cNvSpPr>
+          <p:nvPr>
+            <p:ph idx="1"/>
           </p:nvPr>
         </p:nvSpPr>
         <p:spPr/>
@@ -1857,14 +1865,52 @@
           <a:bodyPr/>
           <a:lstStyle/>
           <a:p>
-            <a:endParaRPr lang="zh-CN" altLang="en-US"/>
+            <a:r>
+              <a:rPr lang="en-US" altLang="zh-CN" dirty="0" smtClean="0"/>
+              <a:t>STM32F407</a:t>
+            </a:r>
+            <a:r>
+              <a:rPr lang="zh-CN" altLang="en-US" dirty="0"/>
+              <a:t>时钟系统</a:t>
+            </a:r>
+          </a:p>
+          <a:p>
+            <a:r>
+              <a:rPr lang="zh-CN" altLang="en-US" dirty="0" smtClean="0"/>
+              <a:t>系统</a:t>
+            </a:r>
+            <a:r>
+              <a:rPr lang="zh-CN" altLang="en-US" dirty="0"/>
+              <a:t>初始化时钟代码分析 </a:t>
+            </a:r>
+          </a:p>
+          <a:p>
+            <a:r>
+              <a:rPr lang="zh-CN" altLang="en-US" dirty="0" smtClean="0"/>
+              <a:t>修改</a:t>
+            </a:r>
+            <a:r>
+              <a:rPr lang="zh-CN" altLang="en-US" dirty="0"/>
+              <a:t>系统主频的方法</a:t>
+            </a:r>
+          </a:p>
+          <a:p>
+            <a:r>
+              <a:rPr lang="en-US" altLang="zh-CN" dirty="0" smtClean="0"/>
+              <a:t>RCC </a:t>
+            </a:r>
+            <a:r>
+              <a:rPr lang="zh-CN" altLang="en-US" dirty="0"/>
+              <a:t>相关库函数介绍</a:t>
+            </a:r>
+            <a:endParaRPr lang="zh-CN" altLang="en-US" dirty="0"/>
           </a:p>
         </p:txBody>
       </p:sp>
     </p:spTree>
     <p:extLst>
       <p:ext uri="{BB962C8B-B14F-4D97-AF65-F5344CB8AC3E}">
-        <p14:creationId xmlns:p14="http://schemas.microsoft.com/office/powerpoint/2010/main" val="659862783"/>
+        <p14:creationId xmlns:p14="http://schemas.microsoft.com/office/powerpoint/2010/main" val="270287899"/>
       </p:ext>
     </p:extLst>
   </p:cSld>
@@ -1906,18 +1952,30 @@
           <a:bodyPr/>
           <a:lstStyle/>
           <a:p>
-            <a:endParaRPr lang="zh-CN" altLang="en-US"/>
-          </a:p>
-        </p:txBody>
-      </p:sp>
-      <p:sp>
-        <p:nvSpPr>
-          <p:cNvPr id="5" name="内容占位符 4"/>
-          <p:cNvSpPr>
-            <a:spLocks noGrp="1"/>
-          </p:cNvSpPr>
-          <p:nvPr>
-            <p:ph idx="1"/>
+            <a:r>
+              <a:rPr lang="en-US" altLang="zh-CN" dirty="0"/>
+              <a:t>STM32F407</a:t>
+            </a:r>
+            <a:r>
+              <a:rPr lang="zh-CN" altLang="en-US" dirty="0"/>
+              <a:t>时钟</a:t>
+            </a:r>
+            <a:r>
+              <a:rPr lang="zh-CN" altLang="en-US" dirty="0" smtClean="0"/>
+              <a:t>系统</a:t>
+            </a:r>
+            <a:endParaRPr lang="zh-CN" altLang="en-US" dirty="0"/>
+          </a:p>
+        </p:txBody>
+      </p:sp>
+      <p:sp>
+        <p:nvSpPr>
+          <p:cNvPr id="5" name="文本占位符 4"/>
+          <p:cNvSpPr>
+            <a:spLocks noGrp="1"/>
+          </p:cNvSpPr>
+          <p:nvPr>
+            <p:ph type="body" idx="1"/>
           </p:nvPr>
         </p:nvSpPr>
         <p:spPr/>
@@ -1925,14 +1983,18 @@
           <a:bodyPr/>
           <a:lstStyle/>
           <a:p>
-            <a:endParaRPr lang="zh-CN" altLang="en-US"/>
+            <a:r>
+              <a:rPr lang="en-US" altLang="zh-CN" dirty="0" smtClean="0"/>
+              <a:t>stm32F407  ARM Cortex-M4</a:t>
+            </a:r>
+            <a:endParaRPr lang="zh-CN" altLang="en-US" dirty="0"/>
           </a:p>
         </p:txBody>
       </p:sp>
     </p:spTree>
     <p:extLst>
       <p:ext uri="{BB962C8B-B14F-4D97-AF65-F5344CB8AC3E}">
-        <p14:creationId xmlns:p14="http://schemas.microsoft.com/office/powerpoint/2010/main" val="270287899"/>
+        <p14:creationId xmlns:p14="http://schemas.microsoft.com/office/powerpoint/2010/main" val="659862783"/>
       </p:ext>
     </p:extLst>
   </p:cSld>
@@ -1943,6 +2005,74 @@
 </file>
 
 <file path=ppt/slides/slide4.xml><?xml version="1.0" encoding="utf-8"?>
+<p:sld xmlns:a="http://schemas.openxmlformats.org/drawingml/2006/main" xmlns:r="http://schemas.openxmlformats.org/officeDocument/2006/relationships" xmlns:p="http://schemas.openxmlformats.org/presentationml/2006/main">
+  <p:cSld>
+    <p:spTree>
+      <p:nvGrpSpPr>
+        <p:cNvPr id="1" name=""/>
+        <p:cNvGrpSpPr/>
+        <p:nvPr/>
+      </p:nvGrpSpPr>
+      <p:grpSpPr>
+        <a:xfrm>
+          <a:off x="0" y="0"/>
+          <a:ext cx="0" cy="0"/>
+          <a:chOff x="0" y="0"/>
+          <a:chExt cx="0" cy="0"/>
+        </a:xfrm>
+      </p:grpSpPr>
+      <p:sp>
+        <p:nvSpPr>
+          <p:cNvPr id="4" name="标题 3"/>
+          <p:cNvSpPr>
+            <a:spLocks noGrp="1"/>
+          </p:cNvSpPr>
+          <p:nvPr>
+            <p:ph type="title"/>
+          </p:nvPr>
+        </p:nvSpPr>
+        <p:spPr/>
+        <p:txBody>
+          <a:bodyPr/>
+          <a:lstStyle/>
+          <a:p>
+            <a:endParaRPr lang="zh-CN" altLang="en-US"/>
+          </a:p>
+        </p:txBody>
+      </p:sp>
+      <p:sp>
+        <p:nvSpPr>
+          <p:cNvPr id="5" name="内容占位符 4"/>
+          <p:cNvSpPr>
+            <a:spLocks noGrp="1"/>
+          </p:cNvSpPr>
+          <p:nvPr>
+            <p:ph idx="1"/>
+          </p:nvPr>
+        </p:nvSpPr>
+        <p:spPr/>
+        <p:txBody>
+          <a:bodyPr/>
+          <a:lstStyle/>
+          <a:p>
+            <a:endParaRPr lang="zh-CN" altLang="en-US"/>
+          </a:p>
+        </p:txBody>
+      </p:sp>
+    </p:spTree>
+    <p:extLst>
+      <p:ext uri="{BB962C8B-B14F-4D97-AF65-F5344CB8AC3E}">
+        <p14:creationId xmlns:p14="http://schemas.microsoft.com/office/powerpoint/2010/main" val="1059080563"/>
+      </p:ext>
+    </p:extLst>
+  </p:cSld>
+  <p:clrMapOvr>
+    <a:masterClrMapping/>
+  </p:clrMapOvr>
+</p:sld>
+</file>
+
+<file path=ppt/slides/slide5.xml><?xml version="1.0" encoding="utf-8"?>
 <p:sld xmlns:a="http://schemas.openxmlformats.org/drawingml/2006/main" xmlns:r="http://schemas.openxmlformats.org/officeDocument/2006/relationships" xmlns:p="http://schemas.openxmlformats.org/presentationml/2006/main">
   <p:cSld>
     <p:spTree>

--- a/TMOOC/智能硬件/001-智能血压计/V1.0/06-STM32F407 时钟系统/PPT/06-STM32F407 时钟系统.pptx
+++ b/TMOOC/智能硬件/001-智能血压计/V1.0/06-STM32F407 时钟系统/PPT/06-STM32F407 时钟系统.pptx
@@ -4,12 +4,29 @@
   <p:sldMasterIdLst>
     <p:sldMasterId id="2147483648" r:id="rId1"/>
   </p:sldMasterIdLst>
+  <p:notesMasterIdLst>
+    <p:notesMasterId r:id="rId21"/>
+  </p:notesMasterIdLst>
   <p:sldIdLst>
     <p:sldId id="256" r:id="rId2"/>
     <p:sldId id="262" r:id="rId3"/>
     <p:sldId id="261" r:id="rId4"/>
-    <p:sldId id="263" r:id="rId5"/>
-    <p:sldId id="260" r:id="rId6"/>
+    <p:sldId id="266" r:id="rId5"/>
+    <p:sldId id="265" r:id="rId6"/>
+    <p:sldId id="268" r:id="rId7"/>
+    <p:sldId id="269" r:id="rId8"/>
+    <p:sldId id="270" r:id="rId9"/>
+    <p:sldId id="271" r:id="rId10"/>
+    <p:sldId id="272" r:id="rId11"/>
+    <p:sldId id="274" r:id="rId12"/>
+    <p:sldId id="275" r:id="rId13"/>
+    <p:sldId id="276" r:id="rId14"/>
+    <p:sldId id="277" r:id="rId15"/>
+    <p:sldId id="278" r:id="rId16"/>
+    <p:sldId id="279" r:id="rId17"/>
+    <p:sldId id="264" r:id="rId18"/>
+    <p:sldId id="267" r:id="rId19"/>
+    <p:sldId id="260" r:id="rId20"/>
   </p:sldIdLst>
   <p:sldSz cx="12192000" cy="6858000"/>
   <p:notesSz cx="6858000" cy="9144000"/>
@@ -116,6 +133,944 @@
 </p:presentation>
 </file>
 
+<file path=ppt/notesMasters/notesMaster1.xml><?xml version="1.0" encoding="utf-8"?>
+<p:notesMaster xmlns:a="http://schemas.openxmlformats.org/drawingml/2006/main" xmlns:r="http://schemas.openxmlformats.org/officeDocument/2006/relationships" xmlns:p="http://schemas.openxmlformats.org/presentationml/2006/main">
+  <p:cSld>
+    <p:bg>
+      <p:bgRef idx="1001">
+        <a:schemeClr val="bg1"/>
+      </p:bgRef>
+    </p:bg>
+    <p:spTree>
+      <p:nvGrpSpPr>
+        <p:cNvPr id="1" name=""/>
+        <p:cNvGrpSpPr/>
+        <p:nvPr/>
+      </p:nvGrpSpPr>
+      <p:grpSpPr>
+        <a:xfrm>
+          <a:off x="0" y="0"/>
+          <a:ext cx="0" cy="0"/>
+          <a:chOff x="0" y="0"/>
+          <a:chExt cx="0" cy="0"/>
+        </a:xfrm>
+      </p:grpSpPr>
+      <p:sp>
+        <p:nvSpPr>
+          <p:cNvPr id="2" name="页眉占位符 1"/>
+          <p:cNvSpPr>
+            <a:spLocks noGrp="1"/>
+          </p:cNvSpPr>
+          <p:nvPr>
+            <p:ph type="hdr" sz="quarter"/>
+          </p:nvPr>
+        </p:nvSpPr>
+        <p:spPr>
+          <a:xfrm>
+            <a:off x="0" y="0"/>
+            <a:ext cx="2971800" cy="458788"/>
+          </a:xfrm>
+          <a:prstGeom prst="rect">
+            <a:avLst/>
+          </a:prstGeom>
+        </p:spPr>
+        <p:txBody>
+          <a:bodyPr vert="horz" lIns="91440" tIns="45720" rIns="91440" bIns="45720" rtlCol="0"/>
+          <a:lstStyle>
+            <a:lvl1pPr algn="l">
+              <a:defRPr sz="1200"/>
+            </a:lvl1pPr>
+          </a:lstStyle>
+          <a:p>
+            <a:endParaRPr lang="zh-CN" altLang="en-US"/>
+          </a:p>
+        </p:txBody>
+      </p:sp>
+      <p:sp>
+        <p:nvSpPr>
+          <p:cNvPr id="3" name="日期占位符 2"/>
+          <p:cNvSpPr>
+            <a:spLocks noGrp="1"/>
+          </p:cNvSpPr>
+          <p:nvPr>
+            <p:ph type="dt" idx="1"/>
+          </p:nvPr>
+        </p:nvSpPr>
+        <p:spPr>
+          <a:xfrm>
+            <a:off x="3884613" y="0"/>
+            <a:ext cx="2971800" cy="458788"/>
+          </a:xfrm>
+          <a:prstGeom prst="rect">
+            <a:avLst/>
+          </a:prstGeom>
+        </p:spPr>
+        <p:txBody>
+          <a:bodyPr vert="horz" lIns="91440" tIns="45720" rIns="91440" bIns="45720" rtlCol="0"/>
+          <a:lstStyle>
+            <a:lvl1pPr algn="r">
+              <a:defRPr sz="1200"/>
+            </a:lvl1pPr>
+          </a:lstStyle>
+          <a:p>
+            <a:fld id="{3E091EFB-C0F2-4894-AF0B-7546AFE02E8D}" type="datetimeFigureOut">
+              <a:rPr lang="zh-CN" altLang="en-US" smtClean="0"/>
+              <a:t>2015/9/17</a:t>
+            </a:fld>
+            <a:endParaRPr lang="zh-CN" altLang="en-US"/>
+          </a:p>
+        </p:txBody>
+      </p:sp>
+      <p:sp>
+        <p:nvSpPr>
+          <p:cNvPr id="4" name="幻灯片图像占位符 3"/>
+          <p:cNvSpPr>
+            <a:spLocks noGrp="1" noRot="1" noChangeAspect="1"/>
+          </p:cNvSpPr>
+          <p:nvPr>
+            <p:ph type="sldImg" idx="2"/>
+          </p:nvPr>
+        </p:nvSpPr>
+        <p:spPr>
+          <a:xfrm>
+            <a:off x="685800" y="1143000"/>
+            <a:ext cx="5486400" cy="3086100"/>
+          </a:xfrm>
+          <a:prstGeom prst="rect">
+            <a:avLst/>
+          </a:prstGeom>
+          <a:noFill/>
+          <a:ln w="12700">
+            <a:solidFill>
+              <a:prstClr val="black"/>
+            </a:solidFill>
+          </a:ln>
+        </p:spPr>
+        <p:txBody>
+          <a:bodyPr vert="horz" lIns="91440" tIns="45720" rIns="91440" bIns="45720" rtlCol="0" anchor="ctr"/>
+          <a:lstStyle/>
+          <a:p>
+            <a:endParaRPr lang="zh-CN" altLang="en-US"/>
+          </a:p>
+        </p:txBody>
+      </p:sp>
+      <p:sp>
+        <p:nvSpPr>
+          <p:cNvPr id="5" name="备注占位符 4"/>
+          <p:cNvSpPr>
+            <a:spLocks noGrp="1"/>
+          </p:cNvSpPr>
+          <p:nvPr>
+            <p:ph type="body" sz="quarter" idx="3"/>
+          </p:nvPr>
+        </p:nvSpPr>
+        <p:spPr>
+          <a:xfrm>
+            <a:off x="685800" y="4400550"/>
+            <a:ext cx="5486400" cy="3600450"/>
+          </a:xfrm>
+          <a:prstGeom prst="rect">
+            <a:avLst/>
+          </a:prstGeom>
+        </p:spPr>
+        <p:txBody>
+          <a:bodyPr vert="horz" lIns="91440" tIns="45720" rIns="91440" bIns="45720" rtlCol="0"/>
+          <a:lstStyle/>
+          <a:p>
+            <a:pPr lvl="0"/>
+            <a:r>
+              <a:rPr lang="zh-CN" altLang="en-US" smtClean="0"/>
+              <a:t>单击此处编辑母版文本样式</a:t>
+            </a:r>
+          </a:p>
+          <a:p>
+            <a:pPr lvl="1"/>
+            <a:r>
+              <a:rPr lang="zh-CN" altLang="en-US" smtClean="0"/>
+              <a:t>第二级</a:t>
+            </a:r>
+          </a:p>
+          <a:p>
+            <a:pPr lvl="2"/>
+            <a:r>
+              <a:rPr lang="zh-CN" altLang="en-US" smtClean="0"/>
+              <a:t>第三级</a:t>
+            </a:r>
+          </a:p>
+          <a:p>
+            <a:pPr lvl="3"/>
+            <a:r>
+              <a:rPr lang="zh-CN" altLang="en-US" smtClean="0"/>
+              <a:t>第四级</a:t>
+            </a:r>
+          </a:p>
+          <a:p>
+            <a:pPr lvl="4"/>
+            <a:r>
+              <a:rPr lang="zh-CN" altLang="en-US" smtClean="0"/>
+              <a:t>第五级</a:t>
+            </a:r>
+            <a:endParaRPr lang="zh-CN" altLang="en-US"/>
+          </a:p>
+        </p:txBody>
+      </p:sp>
+      <p:sp>
+        <p:nvSpPr>
+          <p:cNvPr id="6" name="页脚占位符 5"/>
+          <p:cNvSpPr>
+            <a:spLocks noGrp="1"/>
+          </p:cNvSpPr>
+          <p:nvPr>
+            <p:ph type="ftr" sz="quarter" idx="4"/>
+          </p:nvPr>
+        </p:nvSpPr>
+        <p:spPr>
+          <a:xfrm>
+            <a:off x="0" y="8685213"/>
+            <a:ext cx="2971800" cy="458787"/>
+          </a:xfrm>
+          <a:prstGeom prst="rect">
+            <a:avLst/>
+          </a:prstGeom>
+        </p:spPr>
+        <p:txBody>
+          <a:bodyPr vert="horz" lIns="91440" tIns="45720" rIns="91440" bIns="45720" rtlCol="0" anchor="b"/>
+          <a:lstStyle>
+            <a:lvl1pPr algn="l">
+              <a:defRPr sz="1200"/>
+            </a:lvl1pPr>
+          </a:lstStyle>
+          <a:p>
+            <a:endParaRPr lang="zh-CN" altLang="en-US"/>
+          </a:p>
+        </p:txBody>
+      </p:sp>
+      <p:sp>
+        <p:nvSpPr>
+          <p:cNvPr id="7" name="灯片编号占位符 6"/>
+          <p:cNvSpPr>
+            <a:spLocks noGrp="1"/>
+          </p:cNvSpPr>
+          <p:nvPr>
+            <p:ph type="sldNum" sz="quarter" idx="5"/>
+          </p:nvPr>
+        </p:nvSpPr>
+        <p:spPr>
+          <a:xfrm>
+            <a:off x="3884613" y="8685213"/>
+            <a:ext cx="2971800" cy="458787"/>
+          </a:xfrm>
+          <a:prstGeom prst="rect">
+            <a:avLst/>
+          </a:prstGeom>
+        </p:spPr>
+        <p:txBody>
+          <a:bodyPr vert="horz" lIns="91440" tIns="45720" rIns="91440" bIns="45720" rtlCol="0" anchor="b"/>
+          <a:lstStyle>
+            <a:lvl1pPr algn="r">
+              <a:defRPr sz="1200"/>
+            </a:lvl1pPr>
+          </a:lstStyle>
+          <a:p>
+            <a:fld id="{C5FD5461-3E48-4FDB-85C1-537BA426432D}" type="slidenum">
+              <a:rPr lang="zh-CN" altLang="en-US" smtClean="0"/>
+              <a:t>‹#›</a:t>
+            </a:fld>
+            <a:endParaRPr lang="zh-CN" altLang="en-US"/>
+          </a:p>
+        </p:txBody>
+      </p:sp>
+    </p:spTree>
+    <p:extLst>
+      <p:ext uri="{BB962C8B-B14F-4D97-AF65-F5344CB8AC3E}">
+        <p14:creationId xmlns:p14="http://schemas.microsoft.com/office/powerpoint/2010/main" val="3033276190"/>
+      </p:ext>
+    </p:extLst>
+  </p:cSld>
+  <p:clrMap bg1="lt1" tx1="dk1" bg2="lt2" tx2="dk2" accent1="accent1" accent2="accent2" accent3="accent3" accent4="accent4" accent5="accent5" accent6="accent6" hlink="hlink" folHlink="folHlink"/>
+  <p:notesStyle>
+    <a:lvl1pPr marL="0" algn="l" defTabSz="914400" rtl="0" eaLnBrk="1" latinLnBrk="0" hangingPunct="1">
+      <a:defRPr sz="1200" kern="1200">
+        <a:solidFill>
+          <a:schemeClr val="tx1"/>
+        </a:solidFill>
+        <a:latin typeface="+mn-lt"/>
+        <a:ea typeface="+mn-ea"/>
+        <a:cs typeface="+mn-cs"/>
+      </a:defRPr>
+    </a:lvl1pPr>
+    <a:lvl2pPr marL="457200" algn="l" defTabSz="914400" rtl="0" eaLnBrk="1" latinLnBrk="0" hangingPunct="1">
+      <a:defRPr sz="1200" kern="1200">
+        <a:solidFill>
+          <a:schemeClr val="tx1"/>
+        </a:solidFill>
+        <a:latin typeface="+mn-lt"/>
+        <a:ea typeface="+mn-ea"/>
+        <a:cs typeface="+mn-cs"/>
+      </a:defRPr>
+    </a:lvl2pPr>
+    <a:lvl3pPr marL="914400" algn="l" defTabSz="914400" rtl="0" eaLnBrk="1" latinLnBrk="0" hangingPunct="1">
+      <a:defRPr sz="1200" kern="1200">
+        <a:solidFill>
+          <a:schemeClr val="tx1"/>
+        </a:solidFill>
+        <a:latin typeface="+mn-lt"/>
+        <a:ea typeface="+mn-ea"/>
+        <a:cs typeface="+mn-cs"/>
+      </a:defRPr>
+    </a:lvl3pPr>
+    <a:lvl4pPr marL="1371600" algn="l" defTabSz="914400" rtl="0" eaLnBrk="1" latinLnBrk="0" hangingPunct="1">
+      <a:defRPr sz="1200" kern="1200">
+        <a:solidFill>
+          <a:schemeClr val="tx1"/>
+        </a:solidFill>
+        <a:latin typeface="+mn-lt"/>
+        <a:ea typeface="+mn-ea"/>
+        <a:cs typeface="+mn-cs"/>
+      </a:defRPr>
+    </a:lvl4pPr>
+    <a:lvl5pPr marL="1828800" algn="l" defTabSz="914400" rtl="0" eaLnBrk="1" latinLnBrk="0" hangingPunct="1">
+      <a:defRPr sz="1200" kern="1200">
+        <a:solidFill>
+          <a:schemeClr val="tx1"/>
+        </a:solidFill>
+        <a:latin typeface="+mn-lt"/>
+        <a:ea typeface="+mn-ea"/>
+        <a:cs typeface="+mn-cs"/>
+      </a:defRPr>
+    </a:lvl5pPr>
+    <a:lvl6pPr marL="2286000" algn="l" defTabSz="914400" rtl="0" eaLnBrk="1" latinLnBrk="0" hangingPunct="1">
+      <a:defRPr sz="1200" kern="1200">
+        <a:solidFill>
+          <a:schemeClr val="tx1"/>
+        </a:solidFill>
+        <a:latin typeface="+mn-lt"/>
+        <a:ea typeface="+mn-ea"/>
+        <a:cs typeface="+mn-cs"/>
+      </a:defRPr>
+    </a:lvl6pPr>
+    <a:lvl7pPr marL="2743200" algn="l" defTabSz="914400" rtl="0" eaLnBrk="1" latinLnBrk="0" hangingPunct="1">
+      <a:defRPr sz="1200" kern="1200">
+        <a:solidFill>
+          <a:schemeClr val="tx1"/>
+        </a:solidFill>
+        <a:latin typeface="+mn-lt"/>
+        <a:ea typeface="+mn-ea"/>
+        <a:cs typeface="+mn-cs"/>
+      </a:defRPr>
+    </a:lvl7pPr>
+    <a:lvl8pPr marL="3200400" algn="l" defTabSz="914400" rtl="0" eaLnBrk="1" latinLnBrk="0" hangingPunct="1">
+      <a:defRPr sz="1200" kern="1200">
+        <a:solidFill>
+          <a:schemeClr val="tx1"/>
+        </a:solidFill>
+        <a:latin typeface="+mn-lt"/>
+        <a:ea typeface="+mn-ea"/>
+        <a:cs typeface="+mn-cs"/>
+      </a:defRPr>
+    </a:lvl8pPr>
+    <a:lvl9pPr marL="3657600" algn="l" defTabSz="914400" rtl="0" eaLnBrk="1" latinLnBrk="0" hangingPunct="1">
+      <a:defRPr sz="1200" kern="1200">
+        <a:solidFill>
+          <a:schemeClr val="tx1"/>
+        </a:solidFill>
+        <a:latin typeface="+mn-lt"/>
+        <a:ea typeface="+mn-ea"/>
+        <a:cs typeface="+mn-cs"/>
+      </a:defRPr>
+    </a:lvl9pPr>
+  </p:notesStyle>
+</p:notesMaster>
+</file>
+
+<file path=ppt/notesSlides/notesSlide1.xml><?xml version="1.0" encoding="utf-8"?>
+<p:notes xmlns:a="http://schemas.openxmlformats.org/drawingml/2006/main" xmlns:r="http://schemas.openxmlformats.org/officeDocument/2006/relationships" xmlns:p="http://schemas.openxmlformats.org/presentationml/2006/main">
+  <p:cSld>
+    <p:spTree>
+      <p:nvGrpSpPr>
+        <p:cNvPr id="1" name=""/>
+        <p:cNvGrpSpPr/>
+        <p:nvPr/>
+      </p:nvGrpSpPr>
+      <p:grpSpPr>
+        <a:xfrm>
+          <a:off x="0" y="0"/>
+          <a:ext cx="0" cy="0"/>
+          <a:chOff x="0" y="0"/>
+          <a:chExt cx="0" cy="0"/>
+        </a:xfrm>
+      </p:grpSpPr>
+      <p:sp>
+        <p:nvSpPr>
+          <p:cNvPr id="2" name="幻灯片图像占位符 1"/>
+          <p:cNvSpPr>
+            <a:spLocks noGrp="1" noRot="1" noChangeAspect="1"/>
+          </p:cNvSpPr>
+          <p:nvPr>
+            <p:ph type="sldImg"/>
+          </p:nvPr>
+        </p:nvSpPr>
+        <p:spPr/>
+      </p:sp>
+      <p:sp>
+        <p:nvSpPr>
+          <p:cNvPr id="3" name="备注占位符 2"/>
+          <p:cNvSpPr>
+            <a:spLocks noGrp="1"/>
+          </p:cNvSpPr>
+          <p:nvPr>
+            <p:ph type="body" idx="1"/>
+          </p:nvPr>
+        </p:nvSpPr>
+        <p:spPr/>
+        <p:txBody>
+          <a:bodyPr/>
+          <a:lstStyle/>
+          <a:p>
+            <a:endParaRPr lang="zh-CN" altLang="en-US" dirty="0"/>
+          </a:p>
+        </p:txBody>
+      </p:sp>
+      <p:sp>
+        <p:nvSpPr>
+          <p:cNvPr id="4" name="灯片编号占位符 3"/>
+          <p:cNvSpPr>
+            <a:spLocks noGrp="1"/>
+          </p:cNvSpPr>
+          <p:nvPr>
+            <p:ph type="sldNum" sz="quarter" idx="10"/>
+          </p:nvPr>
+        </p:nvSpPr>
+        <p:spPr/>
+        <p:txBody>
+          <a:bodyPr/>
+          <a:lstStyle/>
+          <a:p>
+            <a:fld id="{C5FD5461-3E48-4FDB-85C1-537BA426432D}" type="slidenum">
+              <a:rPr lang="zh-CN" altLang="en-US" smtClean="0"/>
+              <a:t>4</a:t>
+            </a:fld>
+            <a:endParaRPr lang="zh-CN" altLang="en-US"/>
+          </a:p>
+        </p:txBody>
+      </p:sp>
+    </p:spTree>
+    <p:extLst>
+      <p:ext uri="{BB962C8B-B14F-4D97-AF65-F5344CB8AC3E}">
+        <p14:creationId xmlns:p14="http://schemas.microsoft.com/office/powerpoint/2010/main" val="2268601752"/>
+      </p:ext>
+    </p:extLst>
+  </p:cSld>
+  <p:clrMapOvr>
+    <a:masterClrMapping/>
+  </p:clrMapOvr>
+</p:notes>
+</file>
+
+<file path=ppt/notesSlides/notesSlide2.xml><?xml version="1.0" encoding="utf-8"?>
+<p:notes xmlns:a="http://schemas.openxmlformats.org/drawingml/2006/main" xmlns:r="http://schemas.openxmlformats.org/officeDocument/2006/relationships" xmlns:p="http://schemas.openxmlformats.org/presentationml/2006/main">
+  <p:cSld>
+    <p:spTree>
+      <p:nvGrpSpPr>
+        <p:cNvPr id="1" name=""/>
+        <p:cNvGrpSpPr/>
+        <p:nvPr/>
+      </p:nvGrpSpPr>
+      <p:grpSpPr>
+        <a:xfrm>
+          <a:off x="0" y="0"/>
+          <a:ext cx="0" cy="0"/>
+          <a:chOff x="0" y="0"/>
+          <a:chExt cx="0" cy="0"/>
+        </a:xfrm>
+      </p:grpSpPr>
+      <p:sp>
+        <p:nvSpPr>
+          <p:cNvPr id="2" name="幻灯片图像占位符 1"/>
+          <p:cNvSpPr>
+            <a:spLocks noGrp="1" noRot="1" noChangeAspect="1"/>
+          </p:cNvSpPr>
+          <p:nvPr>
+            <p:ph type="sldImg"/>
+          </p:nvPr>
+        </p:nvSpPr>
+        <p:spPr/>
+      </p:sp>
+      <p:sp>
+        <p:nvSpPr>
+          <p:cNvPr id="3" name="备注占位符 2"/>
+          <p:cNvSpPr>
+            <a:spLocks noGrp="1"/>
+          </p:cNvSpPr>
+          <p:nvPr>
+            <p:ph type="body" idx="1"/>
+          </p:nvPr>
+        </p:nvSpPr>
+        <p:spPr/>
+        <p:txBody>
+          <a:bodyPr/>
+          <a:lstStyle/>
+          <a:p>
+            <a:endParaRPr lang="zh-CN" altLang="en-US" dirty="0"/>
+          </a:p>
+        </p:txBody>
+      </p:sp>
+      <p:sp>
+        <p:nvSpPr>
+          <p:cNvPr id="4" name="灯片编号占位符 3"/>
+          <p:cNvSpPr>
+            <a:spLocks noGrp="1"/>
+          </p:cNvSpPr>
+          <p:nvPr>
+            <p:ph type="sldNum" sz="quarter" idx="10"/>
+          </p:nvPr>
+        </p:nvSpPr>
+        <p:spPr/>
+        <p:txBody>
+          <a:bodyPr/>
+          <a:lstStyle/>
+          <a:p>
+            <a:fld id="{C5FD5461-3E48-4FDB-85C1-537BA426432D}" type="slidenum">
+              <a:rPr lang="zh-CN" altLang="en-US" smtClean="0"/>
+              <a:t>6</a:t>
+            </a:fld>
+            <a:endParaRPr lang="zh-CN" altLang="en-US"/>
+          </a:p>
+        </p:txBody>
+      </p:sp>
+    </p:spTree>
+    <p:extLst>
+      <p:ext uri="{BB962C8B-B14F-4D97-AF65-F5344CB8AC3E}">
+        <p14:creationId xmlns:p14="http://schemas.microsoft.com/office/powerpoint/2010/main" val="1738698693"/>
+      </p:ext>
+    </p:extLst>
+  </p:cSld>
+  <p:clrMapOvr>
+    <a:masterClrMapping/>
+  </p:clrMapOvr>
+</p:notes>
+</file>
+
+<file path=ppt/notesSlides/notesSlide3.xml><?xml version="1.0" encoding="utf-8"?>
+<p:notes xmlns:a="http://schemas.openxmlformats.org/drawingml/2006/main" xmlns:r="http://schemas.openxmlformats.org/officeDocument/2006/relationships" xmlns:p="http://schemas.openxmlformats.org/presentationml/2006/main">
+  <p:cSld>
+    <p:spTree>
+      <p:nvGrpSpPr>
+        <p:cNvPr id="1" name=""/>
+        <p:cNvGrpSpPr/>
+        <p:nvPr/>
+      </p:nvGrpSpPr>
+      <p:grpSpPr>
+        <a:xfrm>
+          <a:off x="0" y="0"/>
+          <a:ext cx="0" cy="0"/>
+          <a:chOff x="0" y="0"/>
+          <a:chExt cx="0" cy="0"/>
+        </a:xfrm>
+      </p:grpSpPr>
+      <p:sp>
+        <p:nvSpPr>
+          <p:cNvPr id="2" name="幻灯片图像占位符 1"/>
+          <p:cNvSpPr>
+            <a:spLocks noGrp="1" noRot="1" noChangeAspect="1"/>
+          </p:cNvSpPr>
+          <p:nvPr>
+            <p:ph type="sldImg"/>
+          </p:nvPr>
+        </p:nvSpPr>
+        <p:spPr/>
+      </p:sp>
+      <p:sp>
+        <p:nvSpPr>
+          <p:cNvPr id="3" name="备注占位符 2"/>
+          <p:cNvSpPr>
+            <a:spLocks noGrp="1"/>
+          </p:cNvSpPr>
+          <p:nvPr>
+            <p:ph type="body" idx="1"/>
+          </p:nvPr>
+        </p:nvSpPr>
+        <p:spPr/>
+        <p:txBody>
+          <a:bodyPr/>
+          <a:lstStyle/>
+          <a:p>
+            <a:endParaRPr lang="zh-CN" altLang="en-US" dirty="0"/>
+          </a:p>
+        </p:txBody>
+      </p:sp>
+      <p:sp>
+        <p:nvSpPr>
+          <p:cNvPr id="4" name="灯片编号占位符 3"/>
+          <p:cNvSpPr>
+            <a:spLocks noGrp="1"/>
+          </p:cNvSpPr>
+          <p:nvPr>
+            <p:ph type="sldNum" sz="quarter" idx="10"/>
+          </p:nvPr>
+        </p:nvSpPr>
+        <p:spPr/>
+        <p:txBody>
+          <a:bodyPr/>
+          <a:lstStyle/>
+          <a:p>
+            <a:fld id="{C5FD5461-3E48-4FDB-85C1-537BA426432D}" type="slidenum">
+              <a:rPr lang="zh-CN" altLang="en-US" smtClean="0"/>
+              <a:t>8</a:t>
+            </a:fld>
+            <a:endParaRPr lang="zh-CN" altLang="en-US"/>
+          </a:p>
+        </p:txBody>
+      </p:sp>
+    </p:spTree>
+    <p:extLst>
+      <p:ext uri="{BB962C8B-B14F-4D97-AF65-F5344CB8AC3E}">
+        <p14:creationId xmlns:p14="http://schemas.microsoft.com/office/powerpoint/2010/main" val="289761215"/>
+      </p:ext>
+    </p:extLst>
+  </p:cSld>
+  <p:clrMapOvr>
+    <a:masterClrMapping/>
+  </p:clrMapOvr>
+</p:notes>
+</file>
+
+<file path=ppt/notesSlides/notesSlide4.xml><?xml version="1.0" encoding="utf-8"?>
+<p:notes xmlns:a="http://schemas.openxmlformats.org/drawingml/2006/main" xmlns:r="http://schemas.openxmlformats.org/officeDocument/2006/relationships" xmlns:p="http://schemas.openxmlformats.org/presentationml/2006/main">
+  <p:cSld>
+    <p:spTree>
+      <p:nvGrpSpPr>
+        <p:cNvPr id="1" name=""/>
+        <p:cNvGrpSpPr/>
+        <p:nvPr/>
+      </p:nvGrpSpPr>
+      <p:grpSpPr>
+        <a:xfrm>
+          <a:off x="0" y="0"/>
+          <a:ext cx="0" cy="0"/>
+          <a:chOff x="0" y="0"/>
+          <a:chExt cx="0" cy="0"/>
+        </a:xfrm>
+      </p:grpSpPr>
+      <p:sp>
+        <p:nvSpPr>
+          <p:cNvPr id="2" name="幻灯片图像占位符 1"/>
+          <p:cNvSpPr>
+            <a:spLocks noGrp="1" noRot="1" noChangeAspect="1"/>
+          </p:cNvSpPr>
+          <p:nvPr>
+            <p:ph type="sldImg"/>
+          </p:nvPr>
+        </p:nvSpPr>
+        <p:spPr/>
+      </p:sp>
+      <p:sp>
+        <p:nvSpPr>
+          <p:cNvPr id="3" name="备注占位符 2"/>
+          <p:cNvSpPr>
+            <a:spLocks noGrp="1"/>
+          </p:cNvSpPr>
+          <p:nvPr>
+            <p:ph type="body" idx="1"/>
+          </p:nvPr>
+        </p:nvSpPr>
+        <p:spPr/>
+        <p:txBody>
+          <a:bodyPr/>
+          <a:lstStyle/>
+          <a:p>
+            <a:endParaRPr lang="zh-CN" altLang="en-US" dirty="0"/>
+          </a:p>
+        </p:txBody>
+      </p:sp>
+      <p:sp>
+        <p:nvSpPr>
+          <p:cNvPr id="4" name="灯片编号占位符 3"/>
+          <p:cNvSpPr>
+            <a:spLocks noGrp="1"/>
+          </p:cNvSpPr>
+          <p:nvPr>
+            <p:ph type="sldNum" sz="quarter" idx="10"/>
+          </p:nvPr>
+        </p:nvSpPr>
+        <p:spPr/>
+        <p:txBody>
+          <a:bodyPr/>
+          <a:lstStyle/>
+          <a:p>
+            <a:fld id="{C5FD5461-3E48-4FDB-85C1-537BA426432D}" type="slidenum">
+              <a:rPr lang="zh-CN" altLang="en-US" smtClean="0"/>
+              <a:t>10</a:t>
+            </a:fld>
+            <a:endParaRPr lang="zh-CN" altLang="en-US"/>
+          </a:p>
+        </p:txBody>
+      </p:sp>
+    </p:spTree>
+    <p:extLst>
+      <p:ext uri="{BB962C8B-B14F-4D97-AF65-F5344CB8AC3E}">
+        <p14:creationId xmlns:p14="http://schemas.microsoft.com/office/powerpoint/2010/main" val="1520640536"/>
+      </p:ext>
+    </p:extLst>
+  </p:cSld>
+  <p:clrMapOvr>
+    <a:masterClrMapping/>
+  </p:clrMapOvr>
+</p:notes>
+</file>
+
+<file path=ppt/notesSlides/notesSlide5.xml><?xml version="1.0" encoding="utf-8"?>
+<p:notes xmlns:a="http://schemas.openxmlformats.org/drawingml/2006/main" xmlns:r="http://schemas.openxmlformats.org/officeDocument/2006/relationships" xmlns:p="http://schemas.openxmlformats.org/presentationml/2006/main">
+  <p:cSld>
+    <p:spTree>
+      <p:nvGrpSpPr>
+        <p:cNvPr id="1" name=""/>
+        <p:cNvGrpSpPr/>
+        <p:nvPr/>
+      </p:nvGrpSpPr>
+      <p:grpSpPr>
+        <a:xfrm>
+          <a:off x="0" y="0"/>
+          <a:ext cx="0" cy="0"/>
+          <a:chOff x="0" y="0"/>
+          <a:chExt cx="0" cy="0"/>
+        </a:xfrm>
+      </p:grpSpPr>
+      <p:sp>
+        <p:nvSpPr>
+          <p:cNvPr id="2" name="幻灯片图像占位符 1"/>
+          <p:cNvSpPr>
+            <a:spLocks noGrp="1" noRot="1" noChangeAspect="1"/>
+          </p:cNvSpPr>
+          <p:nvPr>
+            <p:ph type="sldImg"/>
+          </p:nvPr>
+        </p:nvSpPr>
+        <p:spPr/>
+      </p:sp>
+      <p:sp>
+        <p:nvSpPr>
+          <p:cNvPr id="3" name="备注占位符 2"/>
+          <p:cNvSpPr>
+            <a:spLocks noGrp="1"/>
+          </p:cNvSpPr>
+          <p:nvPr>
+            <p:ph type="body" idx="1"/>
+          </p:nvPr>
+        </p:nvSpPr>
+        <p:spPr/>
+        <p:txBody>
+          <a:bodyPr/>
+          <a:lstStyle/>
+          <a:p>
+            <a:endParaRPr lang="zh-CN" altLang="en-US" dirty="0"/>
+          </a:p>
+        </p:txBody>
+      </p:sp>
+      <p:sp>
+        <p:nvSpPr>
+          <p:cNvPr id="4" name="灯片编号占位符 3"/>
+          <p:cNvSpPr>
+            <a:spLocks noGrp="1"/>
+          </p:cNvSpPr>
+          <p:nvPr>
+            <p:ph type="sldNum" sz="quarter" idx="10"/>
+          </p:nvPr>
+        </p:nvSpPr>
+        <p:spPr/>
+        <p:txBody>
+          <a:bodyPr/>
+          <a:lstStyle/>
+          <a:p>
+            <a:fld id="{C5FD5461-3E48-4FDB-85C1-537BA426432D}" type="slidenum">
+              <a:rPr lang="zh-CN" altLang="en-US" smtClean="0"/>
+              <a:t>11</a:t>
+            </a:fld>
+            <a:endParaRPr lang="zh-CN" altLang="en-US"/>
+          </a:p>
+        </p:txBody>
+      </p:sp>
+    </p:spTree>
+    <p:extLst>
+      <p:ext uri="{BB962C8B-B14F-4D97-AF65-F5344CB8AC3E}">
+        <p14:creationId xmlns:p14="http://schemas.microsoft.com/office/powerpoint/2010/main" val="2977662866"/>
+      </p:ext>
+    </p:extLst>
+  </p:cSld>
+  <p:clrMapOvr>
+    <a:masterClrMapping/>
+  </p:clrMapOvr>
+</p:notes>
+</file>
+
+<file path=ppt/notesSlides/notesSlide6.xml><?xml version="1.0" encoding="utf-8"?>
+<p:notes xmlns:a="http://schemas.openxmlformats.org/drawingml/2006/main" xmlns:r="http://schemas.openxmlformats.org/officeDocument/2006/relationships" xmlns:p="http://schemas.openxmlformats.org/presentationml/2006/main">
+  <p:cSld>
+    <p:spTree>
+      <p:nvGrpSpPr>
+        <p:cNvPr id="1" name=""/>
+        <p:cNvGrpSpPr/>
+        <p:nvPr/>
+      </p:nvGrpSpPr>
+      <p:grpSpPr>
+        <a:xfrm>
+          <a:off x="0" y="0"/>
+          <a:ext cx="0" cy="0"/>
+          <a:chOff x="0" y="0"/>
+          <a:chExt cx="0" cy="0"/>
+        </a:xfrm>
+      </p:grpSpPr>
+      <p:sp>
+        <p:nvSpPr>
+          <p:cNvPr id="2" name="幻灯片图像占位符 1"/>
+          <p:cNvSpPr>
+            <a:spLocks noGrp="1" noRot="1" noChangeAspect="1"/>
+          </p:cNvSpPr>
+          <p:nvPr>
+            <p:ph type="sldImg"/>
+          </p:nvPr>
+        </p:nvSpPr>
+        <p:spPr/>
+      </p:sp>
+      <p:sp>
+        <p:nvSpPr>
+          <p:cNvPr id="3" name="备注占位符 2"/>
+          <p:cNvSpPr>
+            <a:spLocks noGrp="1"/>
+          </p:cNvSpPr>
+          <p:nvPr>
+            <p:ph type="body" idx="1"/>
+          </p:nvPr>
+        </p:nvSpPr>
+        <p:spPr/>
+        <p:txBody>
+          <a:bodyPr/>
+          <a:lstStyle/>
+          <a:p>
+            <a:endParaRPr lang="zh-CN" altLang="en-US" dirty="0"/>
+          </a:p>
+        </p:txBody>
+      </p:sp>
+      <p:sp>
+        <p:nvSpPr>
+          <p:cNvPr id="4" name="灯片编号占位符 3"/>
+          <p:cNvSpPr>
+            <a:spLocks noGrp="1"/>
+          </p:cNvSpPr>
+          <p:nvPr>
+            <p:ph type="sldNum" sz="quarter" idx="10"/>
+          </p:nvPr>
+        </p:nvSpPr>
+        <p:spPr/>
+        <p:txBody>
+          <a:bodyPr/>
+          <a:lstStyle/>
+          <a:p>
+            <a:fld id="{C5FD5461-3E48-4FDB-85C1-537BA426432D}" type="slidenum">
+              <a:rPr lang="zh-CN" altLang="en-US" smtClean="0"/>
+              <a:t>13</a:t>
+            </a:fld>
+            <a:endParaRPr lang="zh-CN" altLang="en-US"/>
+          </a:p>
+        </p:txBody>
+      </p:sp>
+    </p:spTree>
+    <p:extLst>
+      <p:ext uri="{BB962C8B-B14F-4D97-AF65-F5344CB8AC3E}">
+        <p14:creationId xmlns:p14="http://schemas.microsoft.com/office/powerpoint/2010/main" val="1640087359"/>
+      </p:ext>
+    </p:extLst>
+  </p:cSld>
+  <p:clrMapOvr>
+    <a:masterClrMapping/>
+  </p:clrMapOvr>
+</p:notes>
+</file>
+
+<file path=ppt/notesSlides/notesSlide7.xml><?xml version="1.0" encoding="utf-8"?>
+<p:notes xmlns:a="http://schemas.openxmlformats.org/drawingml/2006/main" xmlns:r="http://schemas.openxmlformats.org/officeDocument/2006/relationships" xmlns:p="http://schemas.openxmlformats.org/presentationml/2006/main">
+  <p:cSld>
+    <p:spTree>
+      <p:nvGrpSpPr>
+        <p:cNvPr id="1" name=""/>
+        <p:cNvGrpSpPr/>
+        <p:nvPr/>
+      </p:nvGrpSpPr>
+      <p:grpSpPr>
+        <a:xfrm>
+          <a:off x="0" y="0"/>
+          <a:ext cx="0" cy="0"/>
+          <a:chOff x="0" y="0"/>
+          <a:chExt cx="0" cy="0"/>
+        </a:xfrm>
+      </p:grpSpPr>
+      <p:sp>
+        <p:nvSpPr>
+          <p:cNvPr id="2" name="幻灯片图像占位符 1"/>
+          <p:cNvSpPr>
+            <a:spLocks noGrp="1" noRot="1" noChangeAspect="1"/>
+          </p:cNvSpPr>
+          <p:nvPr>
+            <p:ph type="sldImg"/>
+          </p:nvPr>
+        </p:nvSpPr>
+        <p:spPr/>
+      </p:sp>
+      <p:sp>
+        <p:nvSpPr>
+          <p:cNvPr id="3" name="备注占位符 2"/>
+          <p:cNvSpPr>
+            <a:spLocks noGrp="1"/>
+          </p:cNvSpPr>
+          <p:nvPr>
+            <p:ph type="body" idx="1"/>
+          </p:nvPr>
+        </p:nvSpPr>
+        <p:spPr/>
+        <p:txBody>
+          <a:bodyPr/>
+          <a:lstStyle/>
+          <a:p>
+            <a:endParaRPr lang="zh-CN" altLang="en-US" dirty="0"/>
+          </a:p>
+        </p:txBody>
+      </p:sp>
+      <p:sp>
+        <p:nvSpPr>
+          <p:cNvPr id="4" name="灯片编号占位符 3"/>
+          <p:cNvSpPr>
+            <a:spLocks noGrp="1"/>
+          </p:cNvSpPr>
+          <p:nvPr>
+            <p:ph type="sldNum" sz="quarter" idx="10"/>
+          </p:nvPr>
+        </p:nvSpPr>
+        <p:spPr/>
+        <p:txBody>
+          <a:bodyPr/>
+          <a:lstStyle/>
+          <a:p>
+            <a:fld id="{C5FD5461-3E48-4FDB-85C1-537BA426432D}" type="slidenum">
+              <a:rPr lang="zh-CN" altLang="en-US" smtClean="0"/>
+              <a:t>15</a:t>
+            </a:fld>
+            <a:endParaRPr lang="zh-CN" altLang="en-US"/>
+          </a:p>
+        </p:txBody>
+      </p:sp>
+    </p:spTree>
+    <p:extLst>
+      <p:ext uri="{BB962C8B-B14F-4D97-AF65-F5344CB8AC3E}">
+        <p14:creationId xmlns:p14="http://schemas.microsoft.com/office/powerpoint/2010/main" val="2960893147"/>
+      </p:ext>
+    </p:extLst>
+  </p:cSld>
+  <p:clrMapOvr>
+    <a:masterClrMapping/>
+  </p:clrMapOvr>
+</p:notes>
+</file>
+
 <file path=ppt/slideLayouts/slideLayout1.xml><?xml version="1.0" encoding="utf-8"?>
 <p:sldLayout xmlns:a="http://schemas.openxmlformats.org/drawingml/2006/main" xmlns:r="http://schemas.openxmlformats.org/officeDocument/2006/relationships" xmlns:p="http://schemas.openxmlformats.org/presentationml/2006/main" type="title" preserve="1">
   <p:cSld name="标题幻灯片">
@@ -247,7 +1202,7 @@
           <a:p>
             <a:fld id="{82A0A6CE-0ADA-4A38-B664-5BC57754ADD0}" type="datetimeFigureOut">
               <a:rPr lang="zh-CN" altLang="en-US" smtClean="0"/>
-              <a:t>2015/9/16</a:t>
+              <a:t>2015/9/17</a:t>
             </a:fld>
             <a:endParaRPr lang="zh-CN" altLang="en-US"/>
           </a:p>
@@ -470,7 +1425,7 @@
             <a:fld id="{82A0A6CE-0ADA-4A38-B664-5BC57754ADD0}" type="datetimeFigureOut">
               <a:rPr lang="zh-CN" altLang="en-US" smtClean="0"/>
               <a:pPr/>
-              <a:t>2015/9/16</a:t>
+              <a:t>2015/9/17</a:t>
             </a:fld>
             <a:endParaRPr lang="zh-CN" altLang="en-US"/>
           </a:p>
@@ -708,7 +1663,7 @@
             <a:fld id="{82A0A6CE-0ADA-4A38-B664-5BC57754ADD0}" type="datetimeFigureOut">
               <a:rPr lang="zh-CN" altLang="en-US" smtClean="0"/>
               <a:pPr/>
-              <a:t>2015/9/16</a:t>
+              <a:t>2015/9/17</a:t>
             </a:fld>
             <a:endParaRPr lang="zh-CN" altLang="en-US"/>
           </a:p>
@@ -1067,7 +2022,7 @@
             <a:fld id="{82A0A6CE-0ADA-4A38-B664-5BC57754ADD0}" type="datetimeFigureOut">
               <a:rPr lang="zh-CN" altLang="en-US" smtClean="0"/>
               <a:pPr/>
-              <a:t>2015/9/16</a:t>
+              <a:t>2015/9/17</a:t>
             </a:fld>
             <a:endParaRPr lang="zh-CN" altLang="en-US"/>
           </a:p>
@@ -1305,7 +2260,7 @@
             <a:fld id="{82A0A6CE-0ADA-4A38-B664-5BC57754ADD0}" type="datetimeFigureOut">
               <a:rPr lang="zh-CN" altLang="en-US" smtClean="0"/>
               <a:pPr/>
-              <a:t>2015/9/16</a:t>
+              <a:t>2015/9/17</a:t>
             </a:fld>
             <a:endParaRPr lang="zh-CN" altLang="en-US"/>
           </a:p>
@@ -1806,6 +2761,903 @@
 </p:sld>
 </file>
 
+<file path=ppt/slides/slide10.xml><?xml version="1.0" encoding="utf-8"?>
+<p:sld xmlns:a="http://schemas.openxmlformats.org/drawingml/2006/main" xmlns:r="http://schemas.openxmlformats.org/officeDocument/2006/relationships" xmlns:p="http://schemas.openxmlformats.org/presentationml/2006/main">
+  <p:cSld>
+    <p:spTree>
+      <p:nvGrpSpPr>
+        <p:cNvPr id="1" name=""/>
+        <p:cNvGrpSpPr/>
+        <p:nvPr/>
+      </p:nvGrpSpPr>
+      <p:grpSpPr>
+        <a:xfrm>
+          <a:off x="0" y="0"/>
+          <a:ext cx="0" cy="0"/>
+          <a:chOff x="0" y="0"/>
+          <a:chExt cx="0" cy="0"/>
+        </a:xfrm>
+      </p:grpSpPr>
+      <p:sp>
+        <p:nvSpPr>
+          <p:cNvPr id="4" name="标题 3"/>
+          <p:cNvSpPr>
+            <a:spLocks noGrp="1"/>
+          </p:cNvSpPr>
+          <p:nvPr>
+            <p:ph type="title"/>
+          </p:nvPr>
+        </p:nvSpPr>
+        <p:spPr/>
+        <p:txBody>
+          <a:bodyPr/>
+          <a:lstStyle/>
+          <a:p>
+            <a:r>
+              <a:rPr lang="en-US" altLang="zh-CN" dirty="0"/>
+              <a:t>STM32F407</a:t>
+            </a:r>
+            <a:r>
+              <a:rPr lang="zh-CN" altLang="en-US" dirty="0"/>
+              <a:t>时钟</a:t>
+            </a:r>
+            <a:r>
+              <a:rPr lang="zh-CN" altLang="en-US" dirty="0" smtClean="0"/>
+              <a:t>系统</a:t>
+            </a:r>
+            <a:r>
+              <a:rPr lang="en-US" altLang="zh-CN" dirty="0" smtClean="0"/>
+              <a:t>-</a:t>
+            </a:r>
+            <a:r>
+              <a:rPr lang="zh-CN" altLang="en-US" dirty="0"/>
+              <a:t>时钟输出</a:t>
+            </a:r>
+            <a:endParaRPr lang="zh-CN" altLang="en-US" dirty="0"/>
+          </a:p>
+        </p:txBody>
+      </p:sp>
+      <p:pic>
+        <p:nvPicPr>
+          <p:cNvPr id="6" name="图片 5"/>
+          <p:cNvPicPr>
+            <a:picLocks noChangeAspect="1"/>
+          </p:cNvPicPr>
+          <p:nvPr/>
+        </p:nvPicPr>
+        <p:blipFill>
+          <a:blip r:embed="rId3"/>
+          <a:stretch>
+            <a:fillRect/>
+          </a:stretch>
+        </p:blipFill>
+        <p:spPr>
+          <a:xfrm>
+            <a:off x="2678479" y="1315037"/>
+            <a:ext cx="6000750" cy="5514975"/>
+          </a:xfrm>
+          <a:prstGeom prst="rect">
+            <a:avLst/>
+          </a:prstGeom>
+        </p:spPr>
+      </p:pic>
+    </p:spTree>
+    <p:extLst>
+      <p:ext uri="{BB962C8B-B14F-4D97-AF65-F5344CB8AC3E}">
+        <p14:creationId xmlns:p14="http://schemas.microsoft.com/office/powerpoint/2010/main" val="55077266"/>
+      </p:ext>
+    </p:extLst>
+  </p:cSld>
+  <p:clrMapOvr>
+    <a:masterClrMapping/>
+  </p:clrMapOvr>
+  <p:timing>
+    <p:tnLst>
+      <p:par>
+        <p:cTn id="1" dur="indefinite" restart="never" nodeType="tmRoot"/>
+      </p:par>
+    </p:tnLst>
+  </p:timing>
+</p:sld>
+</file>
+
+<file path=ppt/slides/slide11.xml><?xml version="1.0" encoding="utf-8"?>
+<p:sld xmlns:a="http://schemas.openxmlformats.org/drawingml/2006/main" xmlns:r="http://schemas.openxmlformats.org/officeDocument/2006/relationships" xmlns:p="http://schemas.openxmlformats.org/presentationml/2006/main">
+  <p:cSld>
+    <p:spTree>
+      <p:nvGrpSpPr>
+        <p:cNvPr id="1" name=""/>
+        <p:cNvGrpSpPr/>
+        <p:nvPr/>
+      </p:nvGrpSpPr>
+      <p:grpSpPr>
+        <a:xfrm>
+          <a:off x="0" y="0"/>
+          <a:ext cx="0" cy="0"/>
+          <a:chOff x="0" y="0"/>
+          <a:chExt cx="0" cy="0"/>
+        </a:xfrm>
+      </p:grpSpPr>
+      <p:sp>
+        <p:nvSpPr>
+          <p:cNvPr id="4" name="标题 3"/>
+          <p:cNvSpPr>
+            <a:spLocks noGrp="1"/>
+          </p:cNvSpPr>
+          <p:nvPr>
+            <p:ph type="title"/>
+          </p:nvPr>
+        </p:nvSpPr>
+        <p:spPr/>
+        <p:txBody>
+          <a:bodyPr/>
+          <a:lstStyle/>
+          <a:p>
+            <a:r>
+              <a:rPr lang="en-US" altLang="zh-CN" dirty="0"/>
+              <a:t>STM32F407</a:t>
+            </a:r>
+            <a:r>
+              <a:rPr lang="zh-CN" altLang="en-US" dirty="0"/>
+              <a:t>时钟</a:t>
+            </a:r>
+            <a:r>
+              <a:rPr lang="zh-CN" altLang="en-US" dirty="0" smtClean="0"/>
+              <a:t>系统</a:t>
+            </a:r>
+            <a:r>
+              <a:rPr lang="en-US" altLang="zh-CN" dirty="0" smtClean="0"/>
+              <a:t>-</a:t>
+            </a:r>
+            <a:r>
+              <a:rPr lang="en-US" altLang="zh-CN" dirty="0"/>
+              <a:t>SYSCLK</a:t>
+            </a:r>
+            <a:endParaRPr lang="zh-CN" altLang="en-US" dirty="0"/>
+          </a:p>
+        </p:txBody>
+      </p:sp>
+      <p:pic>
+        <p:nvPicPr>
+          <p:cNvPr id="6" name="图片 5"/>
+          <p:cNvPicPr>
+            <a:picLocks noChangeAspect="1"/>
+          </p:cNvPicPr>
+          <p:nvPr/>
+        </p:nvPicPr>
+        <p:blipFill>
+          <a:blip r:embed="rId3"/>
+          <a:stretch>
+            <a:fillRect/>
+          </a:stretch>
+        </p:blipFill>
+        <p:spPr>
+          <a:xfrm>
+            <a:off x="2678479" y="1315037"/>
+            <a:ext cx="6000750" cy="5514975"/>
+          </a:xfrm>
+          <a:prstGeom prst="rect">
+            <a:avLst/>
+          </a:prstGeom>
+        </p:spPr>
+      </p:pic>
+    </p:spTree>
+    <p:extLst>
+      <p:ext uri="{BB962C8B-B14F-4D97-AF65-F5344CB8AC3E}">
+        <p14:creationId xmlns:p14="http://schemas.microsoft.com/office/powerpoint/2010/main" val="3552688080"/>
+      </p:ext>
+    </p:extLst>
+  </p:cSld>
+  <p:clrMapOvr>
+    <a:masterClrMapping/>
+  </p:clrMapOvr>
+  <p:timing>
+    <p:tnLst>
+      <p:par>
+        <p:cTn id="1" dur="indefinite" restart="never" nodeType="tmRoot"/>
+      </p:par>
+    </p:tnLst>
+  </p:timing>
+</p:sld>
+</file>
+
+<file path=ppt/slides/slide12.xml><?xml version="1.0" encoding="utf-8"?>
+<p:sld xmlns:a="http://schemas.openxmlformats.org/drawingml/2006/main" xmlns:r="http://schemas.openxmlformats.org/officeDocument/2006/relationships" xmlns:p="http://schemas.openxmlformats.org/presentationml/2006/main">
+  <p:cSld>
+    <p:spTree>
+      <p:nvGrpSpPr>
+        <p:cNvPr id="1" name=""/>
+        <p:cNvGrpSpPr/>
+        <p:nvPr/>
+      </p:nvGrpSpPr>
+      <p:grpSpPr>
+        <a:xfrm>
+          <a:off x="0" y="0"/>
+          <a:ext cx="0" cy="0"/>
+          <a:chOff x="0" y="0"/>
+          <a:chExt cx="0" cy="0"/>
+        </a:xfrm>
+      </p:grpSpPr>
+      <p:sp>
+        <p:nvSpPr>
+          <p:cNvPr id="4" name="标题 3"/>
+          <p:cNvSpPr>
+            <a:spLocks noGrp="1"/>
+          </p:cNvSpPr>
+          <p:nvPr>
+            <p:ph type="title"/>
+          </p:nvPr>
+        </p:nvSpPr>
+        <p:spPr/>
+        <p:txBody>
+          <a:bodyPr/>
+          <a:lstStyle/>
+          <a:p>
+            <a:r>
+              <a:rPr lang="en-US" altLang="zh-CN" dirty="0"/>
+              <a:t>STM32F407</a:t>
+            </a:r>
+            <a:r>
+              <a:rPr lang="zh-CN" altLang="en-US" dirty="0"/>
+              <a:t>时钟系统</a:t>
+            </a:r>
+            <a:r>
+              <a:rPr lang="en-US" altLang="zh-CN" dirty="0"/>
+              <a:t>-SYSCLK</a:t>
+            </a:r>
+            <a:endParaRPr lang="zh-CN" altLang="en-US" dirty="0"/>
+          </a:p>
+        </p:txBody>
+      </p:sp>
+      <p:pic>
+        <p:nvPicPr>
+          <p:cNvPr id="6" name="图片 5"/>
+          <p:cNvPicPr>
+            <a:picLocks noChangeAspect="1"/>
+          </p:cNvPicPr>
+          <p:nvPr/>
+        </p:nvPicPr>
+        <p:blipFill>
+          <a:blip r:embed="rId2"/>
+          <a:stretch>
+            <a:fillRect/>
+          </a:stretch>
+        </p:blipFill>
+        <p:spPr>
+          <a:xfrm>
+            <a:off x="2537512" y="2658269"/>
+            <a:ext cx="6162675" cy="2686050"/>
+          </a:xfrm>
+          <a:prstGeom prst="rect">
+            <a:avLst/>
+          </a:prstGeom>
+        </p:spPr>
+      </p:pic>
+    </p:spTree>
+    <p:extLst>
+      <p:ext uri="{BB962C8B-B14F-4D97-AF65-F5344CB8AC3E}">
+        <p14:creationId xmlns:p14="http://schemas.microsoft.com/office/powerpoint/2010/main" val="1066955131"/>
+      </p:ext>
+    </p:extLst>
+  </p:cSld>
+  <p:clrMapOvr>
+    <a:masterClrMapping/>
+  </p:clrMapOvr>
+  <p:timing>
+    <p:tnLst>
+      <p:par>
+        <p:cTn id="1" dur="indefinite" restart="never" nodeType="tmRoot"/>
+      </p:par>
+    </p:tnLst>
+  </p:timing>
+</p:sld>
+</file>
+
+<file path=ppt/slides/slide13.xml><?xml version="1.0" encoding="utf-8"?>
+<p:sld xmlns:a="http://schemas.openxmlformats.org/drawingml/2006/main" xmlns:r="http://schemas.openxmlformats.org/officeDocument/2006/relationships" xmlns:p="http://schemas.openxmlformats.org/presentationml/2006/main">
+  <p:cSld>
+    <p:spTree>
+      <p:nvGrpSpPr>
+        <p:cNvPr id="1" name=""/>
+        <p:cNvGrpSpPr/>
+        <p:nvPr/>
+      </p:nvGrpSpPr>
+      <p:grpSpPr>
+        <a:xfrm>
+          <a:off x="0" y="0"/>
+          <a:ext cx="0" cy="0"/>
+          <a:chOff x="0" y="0"/>
+          <a:chExt cx="0" cy="0"/>
+        </a:xfrm>
+      </p:grpSpPr>
+      <p:sp>
+        <p:nvSpPr>
+          <p:cNvPr id="4" name="标题 3"/>
+          <p:cNvSpPr>
+            <a:spLocks noGrp="1"/>
+          </p:cNvSpPr>
+          <p:nvPr>
+            <p:ph type="title"/>
+          </p:nvPr>
+        </p:nvSpPr>
+        <p:spPr/>
+        <p:txBody>
+          <a:bodyPr/>
+          <a:lstStyle/>
+          <a:p>
+            <a:r>
+              <a:rPr lang="en-US" altLang="zh-CN" dirty="0"/>
+              <a:t>STM32F407</a:t>
+            </a:r>
+            <a:r>
+              <a:rPr lang="zh-CN" altLang="en-US" dirty="0"/>
+              <a:t>时钟</a:t>
+            </a:r>
+            <a:r>
+              <a:rPr lang="zh-CN" altLang="en-US" dirty="0" smtClean="0"/>
+              <a:t>系统</a:t>
+            </a:r>
+            <a:r>
+              <a:rPr lang="en-US" altLang="zh-CN" dirty="0" smtClean="0"/>
+              <a:t>-</a:t>
+            </a:r>
+            <a:endParaRPr lang="zh-CN" altLang="en-US" dirty="0"/>
+          </a:p>
+        </p:txBody>
+      </p:sp>
+      <p:pic>
+        <p:nvPicPr>
+          <p:cNvPr id="6" name="图片 5"/>
+          <p:cNvPicPr>
+            <a:picLocks noChangeAspect="1"/>
+          </p:cNvPicPr>
+          <p:nvPr/>
+        </p:nvPicPr>
+        <p:blipFill>
+          <a:blip r:embed="rId3"/>
+          <a:stretch>
+            <a:fillRect/>
+          </a:stretch>
+        </p:blipFill>
+        <p:spPr>
+          <a:xfrm>
+            <a:off x="2678479" y="1315037"/>
+            <a:ext cx="6000750" cy="5514975"/>
+          </a:xfrm>
+          <a:prstGeom prst="rect">
+            <a:avLst/>
+          </a:prstGeom>
+        </p:spPr>
+      </p:pic>
+    </p:spTree>
+    <p:extLst>
+      <p:ext uri="{BB962C8B-B14F-4D97-AF65-F5344CB8AC3E}">
+        <p14:creationId xmlns:p14="http://schemas.microsoft.com/office/powerpoint/2010/main" val="850007802"/>
+      </p:ext>
+    </p:extLst>
+  </p:cSld>
+  <p:clrMapOvr>
+    <a:masterClrMapping/>
+  </p:clrMapOvr>
+  <p:timing>
+    <p:tnLst>
+      <p:par>
+        <p:cTn id="1" dur="indefinite" restart="never" nodeType="tmRoot"/>
+      </p:par>
+    </p:tnLst>
+  </p:timing>
+</p:sld>
+</file>
+
+<file path=ppt/slides/slide14.xml><?xml version="1.0" encoding="utf-8"?>
+<p:sld xmlns:a="http://schemas.openxmlformats.org/drawingml/2006/main" xmlns:r="http://schemas.openxmlformats.org/officeDocument/2006/relationships" xmlns:p="http://schemas.openxmlformats.org/presentationml/2006/main">
+  <p:cSld>
+    <p:spTree>
+      <p:nvGrpSpPr>
+        <p:cNvPr id="1" name=""/>
+        <p:cNvGrpSpPr/>
+        <p:nvPr/>
+      </p:nvGrpSpPr>
+      <p:grpSpPr>
+        <a:xfrm>
+          <a:off x="0" y="0"/>
+          <a:ext cx="0" cy="0"/>
+          <a:chOff x="0" y="0"/>
+          <a:chExt cx="0" cy="0"/>
+        </a:xfrm>
+      </p:grpSpPr>
+      <p:sp>
+        <p:nvSpPr>
+          <p:cNvPr id="4" name="标题 3"/>
+          <p:cNvSpPr>
+            <a:spLocks noGrp="1"/>
+          </p:cNvSpPr>
+          <p:nvPr>
+            <p:ph type="title"/>
+          </p:nvPr>
+        </p:nvSpPr>
+        <p:spPr/>
+        <p:txBody>
+          <a:bodyPr/>
+          <a:lstStyle/>
+          <a:p>
+            <a:r>
+              <a:rPr lang="en-US" altLang="zh-CN" dirty="0"/>
+              <a:t>STM32F407</a:t>
+            </a:r>
+            <a:r>
+              <a:rPr lang="zh-CN" altLang="en-US" dirty="0"/>
+              <a:t>时钟系统</a:t>
+            </a:r>
+            <a:r>
+              <a:rPr lang="en-US" altLang="zh-CN" dirty="0" smtClean="0"/>
+              <a:t>-</a:t>
+            </a:r>
+            <a:endParaRPr lang="zh-CN" altLang="en-US" dirty="0"/>
+          </a:p>
+        </p:txBody>
+      </p:sp>
+      <p:pic>
+        <p:nvPicPr>
+          <p:cNvPr id="6" name="图片 5"/>
+          <p:cNvPicPr>
+            <a:picLocks noChangeAspect="1"/>
+          </p:cNvPicPr>
+          <p:nvPr/>
+        </p:nvPicPr>
+        <p:blipFill>
+          <a:blip r:embed="rId2"/>
+          <a:stretch>
+            <a:fillRect/>
+          </a:stretch>
+        </p:blipFill>
+        <p:spPr>
+          <a:xfrm>
+            <a:off x="2537512" y="2658269"/>
+            <a:ext cx="6162675" cy="2686050"/>
+          </a:xfrm>
+          <a:prstGeom prst="rect">
+            <a:avLst/>
+          </a:prstGeom>
+        </p:spPr>
+      </p:pic>
+    </p:spTree>
+    <p:extLst>
+      <p:ext uri="{BB962C8B-B14F-4D97-AF65-F5344CB8AC3E}">
+        <p14:creationId xmlns:p14="http://schemas.microsoft.com/office/powerpoint/2010/main" val="2290582208"/>
+      </p:ext>
+    </p:extLst>
+  </p:cSld>
+  <p:clrMapOvr>
+    <a:masterClrMapping/>
+  </p:clrMapOvr>
+  <p:timing>
+    <p:tnLst>
+      <p:par>
+        <p:cTn id="1" dur="indefinite" restart="never" nodeType="tmRoot"/>
+      </p:par>
+    </p:tnLst>
+  </p:timing>
+</p:sld>
+</file>
+
+<file path=ppt/slides/slide15.xml><?xml version="1.0" encoding="utf-8"?>
+<p:sld xmlns:a="http://schemas.openxmlformats.org/drawingml/2006/main" xmlns:r="http://schemas.openxmlformats.org/officeDocument/2006/relationships" xmlns:p="http://schemas.openxmlformats.org/presentationml/2006/main">
+  <p:cSld>
+    <p:spTree>
+      <p:nvGrpSpPr>
+        <p:cNvPr id="1" name=""/>
+        <p:cNvGrpSpPr/>
+        <p:nvPr/>
+      </p:nvGrpSpPr>
+      <p:grpSpPr>
+        <a:xfrm>
+          <a:off x="0" y="0"/>
+          <a:ext cx="0" cy="0"/>
+          <a:chOff x="0" y="0"/>
+          <a:chExt cx="0" cy="0"/>
+        </a:xfrm>
+      </p:grpSpPr>
+      <p:sp>
+        <p:nvSpPr>
+          <p:cNvPr id="4" name="标题 3"/>
+          <p:cNvSpPr>
+            <a:spLocks noGrp="1"/>
+          </p:cNvSpPr>
+          <p:nvPr>
+            <p:ph type="title"/>
+          </p:nvPr>
+        </p:nvSpPr>
+        <p:spPr/>
+        <p:txBody>
+          <a:bodyPr/>
+          <a:lstStyle/>
+          <a:p>
+            <a:r>
+              <a:rPr lang="en-US" altLang="zh-CN" dirty="0"/>
+              <a:t>STM32F407</a:t>
+            </a:r>
+            <a:r>
+              <a:rPr lang="zh-CN" altLang="en-US" dirty="0"/>
+              <a:t>时钟</a:t>
+            </a:r>
+            <a:r>
+              <a:rPr lang="zh-CN" altLang="en-US" dirty="0" smtClean="0"/>
+              <a:t>系统</a:t>
+            </a:r>
+            <a:r>
+              <a:rPr lang="en-US" altLang="zh-CN" dirty="0" smtClean="0"/>
+              <a:t>-</a:t>
+            </a:r>
+            <a:endParaRPr lang="zh-CN" altLang="en-US" dirty="0"/>
+          </a:p>
+        </p:txBody>
+      </p:sp>
+      <p:pic>
+        <p:nvPicPr>
+          <p:cNvPr id="6" name="图片 5"/>
+          <p:cNvPicPr>
+            <a:picLocks noChangeAspect="1"/>
+          </p:cNvPicPr>
+          <p:nvPr/>
+        </p:nvPicPr>
+        <p:blipFill>
+          <a:blip r:embed="rId3"/>
+          <a:stretch>
+            <a:fillRect/>
+          </a:stretch>
+        </p:blipFill>
+        <p:spPr>
+          <a:xfrm>
+            <a:off x="2678479" y="1315037"/>
+            <a:ext cx="6000750" cy="5514975"/>
+          </a:xfrm>
+          <a:prstGeom prst="rect">
+            <a:avLst/>
+          </a:prstGeom>
+        </p:spPr>
+      </p:pic>
+    </p:spTree>
+    <p:extLst>
+      <p:ext uri="{BB962C8B-B14F-4D97-AF65-F5344CB8AC3E}">
+        <p14:creationId xmlns:p14="http://schemas.microsoft.com/office/powerpoint/2010/main" val="3230932556"/>
+      </p:ext>
+    </p:extLst>
+  </p:cSld>
+  <p:clrMapOvr>
+    <a:masterClrMapping/>
+  </p:clrMapOvr>
+  <p:timing>
+    <p:tnLst>
+      <p:par>
+        <p:cTn id="1" dur="indefinite" restart="never" nodeType="tmRoot"/>
+      </p:par>
+    </p:tnLst>
+  </p:timing>
+</p:sld>
+</file>
+
+<file path=ppt/slides/slide16.xml><?xml version="1.0" encoding="utf-8"?>
+<p:sld xmlns:a="http://schemas.openxmlformats.org/drawingml/2006/main" xmlns:r="http://schemas.openxmlformats.org/officeDocument/2006/relationships" xmlns:p="http://schemas.openxmlformats.org/presentationml/2006/main">
+  <p:cSld>
+    <p:spTree>
+      <p:nvGrpSpPr>
+        <p:cNvPr id="1" name=""/>
+        <p:cNvGrpSpPr/>
+        <p:nvPr/>
+      </p:nvGrpSpPr>
+      <p:grpSpPr>
+        <a:xfrm>
+          <a:off x="0" y="0"/>
+          <a:ext cx="0" cy="0"/>
+          <a:chOff x="0" y="0"/>
+          <a:chExt cx="0" cy="0"/>
+        </a:xfrm>
+      </p:grpSpPr>
+      <p:sp>
+        <p:nvSpPr>
+          <p:cNvPr id="4" name="标题 3"/>
+          <p:cNvSpPr>
+            <a:spLocks noGrp="1"/>
+          </p:cNvSpPr>
+          <p:nvPr>
+            <p:ph type="title"/>
+          </p:nvPr>
+        </p:nvSpPr>
+        <p:spPr/>
+        <p:txBody>
+          <a:bodyPr/>
+          <a:lstStyle/>
+          <a:p>
+            <a:r>
+              <a:rPr lang="en-US" altLang="zh-CN" dirty="0"/>
+              <a:t>STM32F407</a:t>
+            </a:r>
+            <a:r>
+              <a:rPr lang="zh-CN" altLang="en-US" dirty="0"/>
+              <a:t>时钟系统</a:t>
+            </a:r>
+            <a:r>
+              <a:rPr lang="en-US" altLang="zh-CN" dirty="0" smtClean="0"/>
+              <a:t>-</a:t>
+            </a:r>
+            <a:endParaRPr lang="zh-CN" altLang="en-US" dirty="0"/>
+          </a:p>
+        </p:txBody>
+      </p:sp>
+      <p:pic>
+        <p:nvPicPr>
+          <p:cNvPr id="6" name="图片 5"/>
+          <p:cNvPicPr>
+            <a:picLocks noChangeAspect="1"/>
+          </p:cNvPicPr>
+          <p:nvPr/>
+        </p:nvPicPr>
+        <p:blipFill>
+          <a:blip r:embed="rId2"/>
+          <a:stretch>
+            <a:fillRect/>
+          </a:stretch>
+        </p:blipFill>
+        <p:spPr>
+          <a:xfrm>
+            <a:off x="2537512" y="2658269"/>
+            <a:ext cx="6162675" cy="2686050"/>
+          </a:xfrm>
+          <a:prstGeom prst="rect">
+            <a:avLst/>
+          </a:prstGeom>
+        </p:spPr>
+      </p:pic>
+    </p:spTree>
+    <p:extLst>
+      <p:ext uri="{BB962C8B-B14F-4D97-AF65-F5344CB8AC3E}">
+        <p14:creationId xmlns:p14="http://schemas.microsoft.com/office/powerpoint/2010/main" val="2250603567"/>
+      </p:ext>
+    </p:extLst>
+  </p:cSld>
+  <p:clrMapOvr>
+    <a:masterClrMapping/>
+  </p:clrMapOvr>
+  <p:timing>
+    <p:tnLst>
+      <p:par>
+        <p:cTn id="1" dur="indefinite" restart="never" nodeType="tmRoot"/>
+      </p:par>
+    </p:tnLst>
+  </p:timing>
+</p:sld>
+</file>
+
+<file path=ppt/slides/slide17.xml><?xml version="1.0" encoding="utf-8"?>
+<p:sld xmlns:a="http://schemas.openxmlformats.org/drawingml/2006/main" xmlns:r="http://schemas.openxmlformats.org/officeDocument/2006/relationships" xmlns:p="http://schemas.openxmlformats.org/presentationml/2006/main">
+  <p:cSld>
+    <p:spTree>
+      <p:nvGrpSpPr>
+        <p:cNvPr id="1" name=""/>
+        <p:cNvGrpSpPr/>
+        <p:nvPr/>
+      </p:nvGrpSpPr>
+      <p:grpSpPr>
+        <a:xfrm>
+          <a:off x="0" y="0"/>
+          <a:ext cx="0" cy="0"/>
+          <a:chOff x="0" y="0"/>
+          <a:chExt cx="0" cy="0"/>
+        </a:xfrm>
+      </p:grpSpPr>
+      <p:sp>
+        <p:nvSpPr>
+          <p:cNvPr id="4" name="标题 3"/>
+          <p:cNvSpPr>
+            <a:spLocks noGrp="1"/>
+          </p:cNvSpPr>
+          <p:nvPr>
+            <p:ph type="title"/>
+          </p:nvPr>
+        </p:nvSpPr>
+        <p:spPr/>
+        <p:txBody>
+          <a:bodyPr/>
+          <a:lstStyle/>
+          <a:p>
+            <a:endParaRPr lang="zh-CN" altLang="en-US"/>
+          </a:p>
+        </p:txBody>
+      </p:sp>
+      <p:sp>
+        <p:nvSpPr>
+          <p:cNvPr id="5" name="内容占位符 4"/>
+          <p:cNvSpPr>
+            <a:spLocks noGrp="1"/>
+          </p:cNvSpPr>
+          <p:nvPr>
+            <p:ph idx="1"/>
+          </p:nvPr>
+        </p:nvSpPr>
+        <p:spPr/>
+        <p:txBody>
+          <a:bodyPr/>
+          <a:lstStyle/>
+          <a:p>
+            <a:endParaRPr lang="zh-CN" altLang="en-US"/>
+          </a:p>
+        </p:txBody>
+      </p:sp>
+    </p:spTree>
+    <p:extLst>
+      <p:ext uri="{BB962C8B-B14F-4D97-AF65-F5344CB8AC3E}">
+        <p14:creationId xmlns:p14="http://schemas.microsoft.com/office/powerpoint/2010/main" val="886091342"/>
+      </p:ext>
+    </p:extLst>
+  </p:cSld>
+  <p:clrMapOvr>
+    <a:masterClrMapping/>
+  </p:clrMapOvr>
+  <p:timing>
+    <p:tnLst>
+      <p:par>
+        <p:cTn id="1" dur="indefinite" restart="never" nodeType="tmRoot"/>
+      </p:par>
+    </p:tnLst>
+  </p:timing>
+</p:sld>
+</file>
+
+<file path=ppt/slides/slide18.xml><?xml version="1.0" encoding="utf-8"?>
+<p:sld xmlns:a="http://schemas.openxmlformats.org/drawingml/2006/main" xmlns:r="http://schemas.openxmlformats.org/officeDocument/2006/relationships" xmlns:p="http://schemas.openxmlformats.org/presentationml/2006/main">
+  <p:cSld>
+    <p:spTree>
+      <p:nvGrpSpPr>
+        <p:cNvPr id="1" name=""/>
+        <p:cNvGrpSpPr/>
+        <p:nvPr/>
+      </p:nvGrpSpPr>
+      <p:grpSpPr>
+        <a:xfrm>
+          <a:off x="0" y="0"/>
+          <a:ext cx="0" cy="0"/>
+          <a:chOff x="0" y="0"/>
+          <a:chExt cx="0" cy="0"/>
+        </a:xfrm>
+      </p:grpSpPr>
+      <p:sp>
+        <p:nvSpPr>
+          <p:cNvPr id="4" name="标题 3"/>
+          <p:cNvSpPr>
+            <a:spLocks noGrp="1"/>
+          </p:cNvSpPr>
+          <p:nvPr>
+            <p:ph type="title"/>
+          </p:nvPr>
+        </p:nvSpPr>
+        <p:spPr/>
+        <p:txBody>
+          <a:bodyPr/>
+          <a:lstStyle/>
+          <a:p>
+            <a:endParaRPr lang="zh-CN" altLang="en-US"/>
+          </a:p>
+        </p:txBody>
+      </p:sp>
+      <p:sp>
+        <p:nvSpPr>
+          <p:cNvPr id="5" name="内容占位符 4"/>
+          <p:cNvSpPr>
+            <a:spLocks noGrp="1"/>
+          </p:cNvSpPr>
+          <p:nvPr>
+            <p:ph idx="1"/>
+          </p:nvPr>
+        </p:nvSpPr>
+        <p:spPr/>
+        <p:txBody>
+          <a:bodyPr/>
+          <a:lstStyle/>
+          <a:p>
+            <a:endParaRPr lang="zh-CN" altLang="en-US"/>
+          </a:p>
+        </p:txBody>
+      </p:sp>
+    </p:spTree>
+    <p:extLst>
+      <p:ext uri="{BB962C8B-B14F-4D97-AF65-F5344CB8AC3E}">
+        <p14:creationId xmlns:p14="http://schemas.microsoft.com/office/powerpoint/2010/main" val="2926160753"/>
+      </p:ext>
+    </p:extLst>
+  </p:cSld>
+  <p:clrMapOvr>
+    <a:masterClrMapping/>
+  </p:clrMapOvr>
+  <p:timing>
+    <p:tnLst>
+      <p:par>
+        <p:cTn id="1" dur="indefinite" restart="never" nodeType="tmRoot"/>
+      </p:par>
+    </p:tnLst>
+  </p:timing>
+</p:sld>
+</file>
+
+<file path=ppt/slides/slide19.xml><?xml version="1.0" encoding="utf-8"?>
+<p:sld xmlns:a="http://schemas.openxmlformats.org/drawingml/2006/main" xmlns:r="http://schemas.openxmlformats.org/officeDocument/2006/relationships" xmlns:p="http://schemas.openxmlformats.org/presentationml/2006/main">
+  <p:cSld>
+    <p:spTree>
+      <p:nvGrpSpPr>
+        <p:cNvPr id="1" name=""/>
+        <p:cNvGrpSpPr/>
+        <p:nvPr/>
+      </p:nvGrpSpPr>
+      <p:grpSpPr>
+        <a:xfrm>
+          <a:off x="0" y="0"/>
+          <a:ext cx="0" cy="0"/>
+          <a:chOff x="0" y="0"/>
+          <a:chExt cx="0" cy="0"/>
+        </a:xfrm>
+      </p:grpSpPr>
+      <p:sp>
+        <p:nvSpPr>
+          <p:cNvPr id="2" name="标题 1"/>
+          <p:cNvSpPr>
+            <a:spLocks noGrp="1"/>
+          </p:cNvSpPr>
+          <p:nvPr>
+            <p:ph type="title"/>
+          </p:nvPr>
+        </p:nvSpPr>
+        <p:spPr/>
+        <p:txBody>
+          <a:bodyPr/>
+          <a:lstStyle/>
+          <a:p>
+            <a:r>
+              <a:rPr lang="zh-CN" altLang="en-US" smtClean="0"/>
+              <a:t>总结</a:t>
+            </a:r>
+            <a:endParaRPr lang="zh-CN" altLang="en-US" dirty="0"/>
+          </a:p>
+        </p:txBody>
+      </p:sp>
+      <p:sp>
+        <p:nvSpPr>
+          <p:cNvPr id="3" name="文本占位符 2"/>
+          <p:cNvSpPr>
+            <a:spLocks noGrp="1"/>
+          </p:cNvSpPr>
+          <p:nvPr>
+            <p:ph type="body" idx="1"/>
+          </p:nvPr>
+        </p:nvSpPr>
+        <p:spPr/>
+        <p:txBody>
+          <a:bodyPr/>
+          <a:lstStyle/>
+          <a:p>
+            <a:endParaRPr lang="zh-CN" altLang="en-US"/>
+          </a:p>
+        </p:txBody>
+      </p:sp>
+    </p:spTree>
+    <p:extLst>
+      <p:ext uri="{BB962C8B-B14F-4D97-AF65-F5344CB8AC3E}">
+        <p14:creationId xmlns:p14="http://schemas.microsoft.com/office/powerpoint/2010/main" val="3839626162"/>
+      </p:ext>
+    </p:extLst>
+  </p:cSld>
+  <p:clrMapOvr>
+    <a:masterClrMapping/>
+  </p:clrMapOvr>
+  <p:timing>
+    <p:tnLst>
+      <p:par>
+        <p:cTn id="1" dur="indefinite" restart="never" nodeType="tmRoot"/>
+      </p:par>
+    </p:tnLst>
+  </p:timing>
+</p:sld>
+</file>
+
 <file path=ppt/slides/slide2.xml><?xml version="1.0" encoding="utf-8"?>
 <p:sld xmlns:a="http://schemas.openxmlformats.org/drawingml/2006/main" xmlns:r="http://schemas.openxmlformats.org/officeDocument/2006/relationships" xmlns:p="http://schemas.openxmlformats.org/presentationml/2006/main">
   <p:cSld>
@@ -1846,7 +3698,6 @@
               <a:rPr lang="zh-CN" altLang="en-US" dirty="0"/>
               <a:t>时钟系统</a:t>
             </a:r>
-            <a:endParaRPr lang="zh-CN" altLang="en-US" dirty="0"/>
           </a:p>
         </p:txBody>
       </p:sp>
@@ -1903,7 +3754,6 @@
               <a:rPr lang="zh-CN" altLang="en-US" dirty="0"/>
               <a:t>相关库函数介绍</a:t>
             </a:r>
-            <a:endParaRPr lang="zh-CN" altLang="en-US" dirty="0"/>
           </a:p>
         </p:txBody>
       </p:sp>
@@ -2001,6 +3851,13 @@
   <p:clrMapOvr>
     <a:masterClrMapping/>
   </p:clrMapOvr>
+  <p:timing>
+    <p:tnLst>
+      <p:par>
+        <p:cTn id="1" dur="indefinite" restart="never" nodeType="tmRoot"/>
+      </p:par>
+    </p:tnLst>
+  </p:timing>
 </p:sld>
 </file>
 
@@ -2036,39 +3893,499 @@
           <a:bodyPr/>
           <a:lstStyle/>
           <a:p>
-            <a:endParaRPr lang="zh-CN" altLang="en-US"/>
-          </a:p>
-        </p:txBody>
-      </p:sp>
-      <p:sp>
-        <p:nvSpPr>
-          <p:cNvPr id="5" name="内容占位符 4"/>
-          <p:cNvSpPr>
-            <a:spLocks noGrp="1"/>
-          </p:cNvSpPr>
-          <p:nvPr>
-            <p:ph idx="1"/>
-          </p:nvPr>
-        </p:nvSpPr>
-        <p:spPr/>
-        <p:txBody>
-          <a:bodyPr/>
-          <a:lstStyle/>
-          <a:p>
-            <a:endParaRPr lang="zh-CN" altLang="en-US"/>
+            <a:r>
+              <a:rPr lang="en-US" altLang="zh-CN" dirty="0"/>
+              <a:t>STM32F407</a:t>
+            </a:r>
+            <a:r>
+              <a:rPr lang="zh-CN" altLang="en-US" dirty="0"/>
+              <a:t>时钟</a:t>
+            </a:r>
+            <a:r>
+              <a:rPr lang="zh-CN" altLang="en-US" dirty="0" smtClean="0"/>
+              <a:t>系统</a:t>
+            </a:r>
+            <a:r>
+              <a:rPr lang="zh-CN" altLang="en-US" dirty="0"/>
+              <a:t>概述</a:t>
+            </a:r>
+            <a:endParaRPr lang="zh-CN" altLang="en-US" dirty="0"/>
+          </a:p>
+        </p:txBody>
+      </p:sp>
+      <p:sp>
+        <p:nvSpPr>
+          <p:cNvPr id="6" name="矩形 5"/>
+          <p:cNvSpPr/>
+          <p:nvPr/>
+        </p:nvSpPr>
+        <p:spPr>
+          <a:xfrm>
+            <a:off x="838199" y="2219629"/>
+            <a:ext cx="1716246" cy="646331"/>
+          </a:xfrm>
+          <a:prstGeom prst="rect">
+            <a:avLst/>
+          </a:prstGeom>
+        </p:spPr>
+        <p:txBody>
+          <a:bodyPr wrap="square">
+            <a:spAutoFit/>
+          </a:bodyPr>
+          <a:lstStyle/>
+          <a:p>
+            <a:r>
+              <a:rPr lang="zh-CN" altLang="en-US" dirty="0" smtClean="0">
+                <a:solidFill>
+                  <a:schemeClr val="accent4">
+                    <a:lumMod val="60000"/>
+                    <a:lumOff val="40000"/>
+                  </a:schemeClr>
+                </a:solidFill>
+                <a:latin typeface="微软雅黑" panose="020B0503020204020204" pitchFamily="34" charset="-122"/>
+                <a:ea typeface="微软雅黑" panose="020B0503020204020204" pitchFamily="34" charset="-122"/>
+              </a:rPr>
+              <a:t>高速时钟、</a:t>
+            </a:r>
+            <a:endParaRPr lang="en-US" altLang="zh-CN" dirty="0" smtClean="0">
+              <a:solidFill>
+                <a:schemeClr val="accent4">
+                  <a:lumMod val="60000"/>
+                  <a:lumOff val="40000"/>
+                </a:schemeClr>
+              </a:solidFill>
+              <a:latin typeface="微软雅黑" panose="020B0503020204020204" pitchFamily="34" charset="-122"/>
+              <a:ea typeface="微软雅黑" panose="020B0503020204020204" pitchFamily="34" charset="-122"/>
+            </a:endParaRPr>
+          </a:p>
+          <a:p>
+            <a:r>
+              <a:rPr lang="zh-CN" altLang="en-US" dirty="0" smtClean="0">
+                <a:solidFill>
+                  <a:schemeClr val="accent4">
+                    <a:lumMod val="60000"/>
+                    <a:lumOff val="40000"/>
+                  </a:schemeClr>
+                </a:solidFill>
+                <a:latin typeface="微软雅黑" panose="020B0503020204020204" pitchFamily="34" charset="-122"/>
+                <a:ea typeface="微软雅黑" panose="020B0503020204020204" pitchFamily="34" charset="-122"/>
+              </a:rPr>
+              <a:t>低速</a:t>
+            </a:r>
+            <a:r>
+              <a:rPr lang="zh-CN" altLang="en-US" dirty="0">
+                <a:solidFill>
+                  <a:schemeClr val="accent4">
+                    <a:lumMod val="60000"/>
+                    <a:lumOff val="40000"/>
+                  </a:schemeClr>
+                </a:solidFill>
+                <a:latin typeface="微软雅黑" panose="020B0503020204020204" pitchFamily="34" charset="-122"/>
+                <a:ea typeface="微软雅黑" panose="020B0503020204020204" pitchFamily="34" charset="-122"/>
+              </a:rPr>
+              <a:t>次级时钟</a:t>
+            </a:r>
+            <a:endParaRPr lang="zh-CN" altLang="en-US" dirty="0">
+              <a:solidFill>
+                <a:schemeClr val="accent4">
+                  <a:lumMod val="60000"/>
+                  <a:lumOff val="40000"/>
+                </a:schemeClr>
+              </a:solidFill>
+              <a:latin typeface="微软雅黑" panose="020B0503020204020204" pitchFamily="34" charset="-122"/>
+              <a:ea typeface="微软雅黑" panose="020B0503020204020204" pitchFamily="34" charset="-122"/>
+            </a:endParaRPr>
+          </a:p>
+        </p:txBody>
+      </p:sp>
+      <p:sp>
+        <p:nvSpPr>
+          <p:cNvPr id="7" name="矩形 6"/>
+          <p:cNvSpPr/>
+          <p:nvPr/>
+        </p:nvSpPr>
+        <p:spPr>
+          <a:xfrm>
+            <a:off x="838199" y="4072524"/>
+            <a:ext cx="1821080" cy="646331"/>
+          </a:xfrm>
+          <a:prstGeom prst="rect">
+            <a:avLst/>
+          </a:prstGeom>
+        </p:spPr>
+        <p:txBody>
+          <a:bodyPr wrap="square">
+            <a:spAutoFit/>
+          </a:bodyPr>
+          <a:lstStyle/>
+          <a:p>
+            <a:r>
+              <a:rPr lang="zh-CN" altLang="en-US" dirty="0">
+                <a:solidFill>
+                  <a:schemeClr val="accent1">
+                    <a:lumMod val="75000"/>
+                  </a:schemeClr>
+                </a:solidFill>
+                <a:latin typeface="微软雅黑" panose="020B0503020204020204" pitchFamily="34" charset="-122"/>
+                <a:ea typeface="微软雅黑" panose="020B0503020204020204" pitchFamily="34" charset="-122"/>
+              </a:rPr>
+              <a:t>芯片内部</a:t>
+            </a:r>
+            <a:r>
+              <a:rPr lang="zh-CN" altLang="en-US" dirty="0" smtClean="0">
+                <a:solidFill>
+                  <a:schemeClr val="accent1">
+                    <a:lumMod val="75000"/>
+                  </a:schemeClr>
+                </a:solidFill>
+                <a:latin typeface="微软雅黑" panose="020B0503020204020204" pitchFamily="34" charset="-122"/>
+                <a:ea typeface="微软雅黑" panose="020B0503020204020204" pitchFamily="34" charset="-122"/>
+              </a:rPr>
+              <a:t>集成高速</a:t>
+            </a:r>
+            <a:r>
+              <a:rPr lang="zh-CN" altLang="en-US" dirty="0">
+                <a:solidFill>
+                  <a:schemeClr val="accent1">
+                    <a:lumMod val="75000"/>
+                  </a:schemeClr>
+                </a:solidFill>
+                <a:latin typeface="微软雅黑" panose="020B0503020204020204" pitchFamily="34" charset="-122"/>
+                <a:ea typeface="微软雅黑" panose="020B0503020204020204" pitchFamily="34" charset="-122"/>
+              </a:rPr>
+              <a:t>、低速振荡器</a:t>
+            </a:r>
+          </a:p>
+        </p:txBody>
+      </p:sp>
+      <p:sp>
+        <p:nvSpPr>
+          <p:cNvPr id="8" name="矩形 7"/>
+          <p:cNvSpPr/>
+          <p:nvPr/>
+        </p:nvSpPr>
+        <p:spPr>
+          <a:xfrm>
+            <a:off x="8803263" y="2235274"/>
+            <a:ext cx="2015067" cy="646331"/>
+          </a:xfrm>
+          <a:prstGeom prst="rect">
+            <a:avLst/>
+          </a:prstGeom>
+        </p:spPr>
+        <p:txBody>
+          <a:bodyPr wrap="square">
+            <a:spAutoFit/>
+          </a:bodyPr>
+          <a:lstStyle/>
+          <a:p>
+            <a:r>
+              <a:rPr lang="zh-CN" altLang="en-US" dirty="0">
+                <a:solidFill>
+                  <a:schemeClr val="accent2"/>
+                </a:solidFill>
+                <a:latin typeface="微软雅黑" panose="020B0503020204020204" pitchFamily="34" charset="-122"/>
+                <a:ea typeface="微软雅黑" panose="020B0503020204020204" pitchFamily="34" charset="-122"/>
+              </a:rPr>
+              <a:t>每个时钟源可以单独开启和关闭</a:t>
+            </a:r>
+          </a:p>
+        </p:txBody>
+      </p:sp>
+      <p:pic>
+        <p:nvPicPr>
+          <p:cNvPr id="11" name="图片 10"/>
+          <p:cNvPicPr>
+            <a:picLocks noChangeAspect="1"/>
+          </p:cNvPicPr>
+          <p:nvPr/>
+        </p:nvPicPr>
+        <p:blipFill>
+          <a:blip r:embed="rId3"/>
+          <a:stretch>
+            <a:fillRect/>
+          </a:stretch>
+        </p:blipFill>
+        <p:spPr>
+          <a:xfrm>
+            <a:off x="2678479" y="1315037"/>
+            <a:ext cx="6000750" cy="5514975"/>
+          </a:xfrm>
+          <a:prstGeom prst="rect">
+            <a:avLst/>
+          </a:prstGeom>
+        </p:spPr>
+      </p:pic>
+      <p:cxnSp>
+        <p:nvCxnSpPr>
+          <p:cNvPr id="13" name="直接箭头连接符 12"/>
+          <p:cNvCxnSpPr>
+            <a:stCxn id="8" idx="1"/>
+          </p:cNvCxnSpPr>
+          <p:nvPr/>
+        </p:nvCxnSpPr>
+        <p:spPr>
+          <a:xfrm flipH="1" flipV="1">
+            <a:off x="6146800" y="1648927"/>
+            <a:ext cx="2656463" cy="909513"/>
+          </a:xfrm>
+          <a:prstGeom prst="straightConnector1">
+            <a:avLst/>
+          </a:prstGeom>
+          <a:ln>
+            <a:tailEnd type="triangle"/>
+          </a:ln>
+        </p:spPr>
+        <p:style>
+          <a:lnRef idx="3">
+            <a:schemeClr val="accent2"/>
+          </a:lnRef>
+          <a:fillRef idx="0">
+            <a:schemeClr val="accent2"/>
+          </a:fillRef>
+          <a:effectRef idx="2">
+            <a:schemeClr val="accent2"/>
+          </a:effectRef>
+          <a:fontRef idx="minor">
+            <a:schemeClr val="tx1"/>
+          </a:fontRef>
+        </p:style>
+      </p:cxnSp>
+      <p:cxnSp>
+        <p:nvCxnSpPr>
+          <p:cNvPr id="15" name="直接箭头连接符 14"/>
+          <p:cNvCxnSpPr>
+            <a:stCxn id="8" idx="1"/>
+          </p:cNvCxnSpPr>
+          <p:nvPr/>
+        </p:nvCxnSpPr>
+        <p:spPr>
+          <a:xfrm flipH="1">
+            <a:off x="7534296" y="2558440"/>
+            <a:ext cx="1268967" cy="777427"/>
+          </a:xfrm>
+          <a:prstGeom prst="straightConnector1">
+            <a:avLst/>
+          </a:prstGeom>
+          <a:ln>
+            <a:tailEnd type="triangle"/>
+          </a:ln>
+        </p:spPr>
+        <p:style>
+          <a:lnRef idx="3">
+            <a:schemeClr val="accent2"/>
+          </a:lnRef>
+          <a:fillRef idx="0">
+            <a:schemeClr val="accent2"/>
+          </a:fillRef>
+          <a:effectRef idx="2">
+            <a:schemeClr val="accent2"/>
+          </a:effectRef>
+          <a:fontRef idx="minor">
+            <a:schemeClr val="tx1"/>
+          </a:fontRef>
+        </p:style>
+      </p:cxnSp>
+      <p:cxnSp>
+        <p:nvCxnSpPr>
+          <p:cNvPr id="19" name="直接箭头连接符 18"/>
+          <p:cNvCxnSpPr>
+            <a:stCxn id="7" idx="3"/>
+          </p:cNvCxnSpPr>
+          <p:nvPr/>
+        </p:nvCxnSpPr>
+        <p:spPr>
+          <a:xfrm flipV="1">
+            <a:off x="2659279" y="1811867"/>
+            <a:ext cx="1811121" cy="2583823"/>
+          </a:xfrm>
+          <a:prstGeom prst="straightConnector1">
+            <a:avLst/>
+          </a:prstGeom>
+          <a:ln>
+            <a:tailEnd type="triangle"/>
+          </a:ln>
+        </p:spPr>
+        <p:style>
+          <a:lnRef idx="1">
+            <a:schemeClr val="accent1"/>
+          </a:lnRef>
+          <a:fillRef idx="0">
+            <a:schemeClr val="accent1"/>
+          </a:fillRef>
+          <a:effectRef idx="0">
+            <a:schemeClr val="accent1"/>
+          </a:effectRef>
+          <a:fontRef idx="minor">
+            <a:schemeClr val="tx1"/>
+          </a:fontRef>
+        </p:style>
+      </p:cxnSp>
+      <p:cxnSp>
+        <p:nvCxnSpPr>
+          <p:cNvPr id="21" name="直接箭头连接符 20"/>
+          <p:cNvCxnSpPr>
+            <a:stCxn id="7" idx="3"/>
+          </p:cNvCxnSpPr>
+          <p:nvPr/>
+        </p:nvCxnSpPr>
+        <p:spPr>
+          <a:xfrm flipV="1">
+            <a:off x="2659279" y="3894667"/>
+            <a:ext cx="1929654" cy="501023"/>
+          </a:xfrm>
+          <a:prstGeom prst="straightConnector1">
+            <a:avLst/>
+          </a:prstGeom>
+          <a:ln>
+            <a:tailEnd type="triangle"/>
+          </a:ln>
+        </p:spPr>
+        <p:style>
+          <a:lnRef idx="1">
+            <a:schemeClr val="accent1"/>
+          </a:lnRef>
+          <a:fillRef idx="0">
+            <a:schemeClr val="accent1"/>
+          </a:fillRef>
+          <a:effectRef idx="0">
+            <a:schemeClr val="accent1"/>
+          </a:effectRef>
+          <a:fontRef idx="minor">
+            <a:schemeClr val="tx1"/>
+          </a:fontRef>
+        </p:style>
+      </p:cxnSp>
+      <p:cxnSp>
+        <p:nvCxnSpPr>
+          <p:cNvPr id="24" name="直接箭头连接符 23"/>
+          <p:cNvCxnSpPr>
+            <a:stCxn id="6" idx="3"/>
+          </p:cNvCxnSpPr>
+          <p:nvPr/>
+        </p:nvCxnSpPr>
+        <p:spPr>
+          <a:xfrm flipV="1">
+            <a:off x="2554445" y="2235274"/>
+            <a:ext cx="341155" cy="307521"/>
+          </a:xfrm>
+          <a:prstGeom prst="straightConnector1">
+            <a:avLst/>
+          </a:prstGeom>
+          <a:ln>
+            <a:tailEnd type="triangle"/>
+          </a:ln>
+        </p:spPr>
+        <p:style>
+          <a:lnRef idx="1">
+            <a:schemeClr val="accent4"/>
+          </a:lnRef>
+          <a:fillRef idx="0">
+            <a:schemeClr val="accent4"/>
+          </a:fillRef>
+          <a:effectRef idx="0">
+            <a:schemeClr val="accent4"/>
+          </a:effectRef>
+          <a:fontRef idx="minor">
+            <a:schemeClr val="tx1"/>
+          </a:fontRef>
+        </p:style>
+      </p:cxnSp>
+      <p:cxnSp>
+        <p:nvCxnSpPr>
+          <p:cNvPr id="25" name="直接箭头连接符 24"/>
+          <p:cNvCxnSpPr>
+            <a:stCxn id="6" idx="3"/>
+          </p:cNvCxnSpPr>
+          <p:nvPr/>
+        </p:nvCxnSpPr>
+        <p:spPr>
+          <a:xfrm>
+            <a:off x="2554445" y="2542795"/>
+            <a:ext cx="2020789" cy="1308308"/>
+          </a:xfrm>
+          <a:prstGeom prst="straightConnector1">
+            <a:avLst/>
+          </a:prstGeom>
+          <a:ln>
+            <a:tailEnd type="triangle"/>
+          </a:ln>
+        </p:spPr>
+        <p:style>
+          <a:lnRef idx="1">
+            <a:schemeClr val="accent4"/>
+          </a:lnRef>
+          <a:fillRef idx="0">
+            <a:schemeClr val="accent4"/>
+          </a:fillRef>
+          <a:effectRef idx="0">
+            <a:schemeClr val="accent4"/>
+          </a:effectRef>
+          <a:fontRef idx="minor">
+            <a:schemeClr val="tx1"/>
+          </a:fontRef>
+        </p:style>
+      </p:cxnSp>
+      <p:sp>
+        <p:nvSpPr>
+          <p:cNvPr id="28" name="文本框 27"/>
+          <p:cNvSpPr txBox="1"/>
+          <p:nvPr/>
+        </p:nvSpPr>
+        <p:spPr>
+          <a:xfrm>
+            <a:off x="8986716" y="5006722"/>
+            <a:ext cx="1532792" cy="369332"/>
+          </a:xfrm>
+          <a:prstGeom prst="rect">
+            <a:avLst/>
+          </a:prstGeom>
+          <a:noFill/>
+        </p:spPr>
+        <p:txBody>
+          <a:bodyPr wrap="none" rtlCol="0">
+            <a:spAutoFit/>
+          </a:bodyPr>
+          <a:lstStyle/>
+          <a:p>
+            <a:r>
+              <a:rPr lang="zh-CN" altLang="en-US" dirty="0" smtClean="0">
+                <a:latin typeface="微软雅黑" panose="020B0503020204020204" pitchFamily="34" charset="-122"/>
+                <a:ea typeface="微软雅黑" panose="020B0503020204020204" pitchFamily="34" charset="-122"/>
+              </a:rPr>
+              <a:t>最大</a:t>
+            </a:r>
+            <a:r>
+              <a:rPr lang="en-US" altLang="zh-CN" dirty="0" smtClean="0">
+                <a:latin typeface="微软雅黑" panose="020B0503020204020204" pitchFamily="34" charset="-122"/>
+                <a:ea typeface="微软雅黑" panose="020B0503020204020204" pitchFamily="34" charset="-122"/>
+              </a:rPr>
+              <a:t>168Mhz</a:t>
+            </a:r>
+            <a:endParaRPr lang="zh-CN" altLang="en-US" dirty="0">
+              <a:latin typeface="微软雅黑" panose="020B0503020204020204" pitchFamily="34" charset="-122"/>
+              <a:ea typeface="微软雅黑" panose="020B0503020204020204" pitchFamily="34" charset="-122"/>
+            </a:endParaRPr>
           </a:p>
         </p:txBody>
       </p:sp>
     </p:spTree>
     <p:extLst>
       <p:ext uri="{BB962C8B-B14F-4D97-AF65-F5344CB8AC3E}">
-        <p14:creationId xmlns:p14="http://schemas.microsoft.com/office/powerpoint/2010/main" val="1059080563"/>
+        <p14:creationId xmlns:p14="http://schemas.microsoft.com/office/powerpoint/2010/main" val="2516840340"/>
       </p:ext>
     </p:extLst>
   </p:cSld>
   <p:clrMapOvr>
     <a:masterClrMapping/>
   </p:clrMapOvr>
+  <p:timing>
+    <p:tnLst>
+      <p:par>
+        <p:cTn id="1" dur="indefinite" restart="never" nodeType="tmRoot"/>
+      </p:par>
+    </p:tnLst>
+  </p:timing>
 </p:sld>
 </file>
 
@@ -2091,7 +4408,7 @@
       </p:grpSpPr>
       <p:sp>
         <p:nvSpPr>
-          <p:cNvPr id="2" name="标题 1"/>
+          <p:cNvPr id="4" name="标题 3"/>
           <p:cNvSpPr>
             <a:spLocks noGrp="1"/>
           </p:cNvSpPr>
@@ -2105,8 +4422,16 @@
           <a:lstStyle/>
           <a:p>
             <a:r>
-              <a:rPr lang="zh-CN" altLang="en-US" smtClean="0"/>
-              <a:t>总结</a:t>
+              <a:rPr lang="en-US" altLang="zh-CN" dirty="0"/>
+              <a:t>STM32F407</a:t>
+            </a:r>
+            <a:r>
+              <a:rPr lang="zh-CN" altLang="en-US" dirty="0"/>
+              <a:t>时钟</a:t>
+            </a:r>
+            <a:r>
+              <a:rPr lang="zh-CN" altLang="en-US" dirty="0" smtClean="0"/>
+              <a:t>系统概述</a:t>
             </a:r>
             <a:endParaRPr lang="zh-CN" altLang="en-US" dirty="0"/>
           </a:p>
@@ -2114,33 +4439,1778 @@
       </p:sp>
       <p:sp>
         <p:nvSpPr>
-          <p:cNvPr id="3" name="文本占位符 2"/>
-          <p:cNvSpPr>
-            <a:spLocks noGrp="1"/>
-          </p:cNvSpPr>
-          <p:nvPr>
-            <p:ph type="body" idx="1"/>
-          </p:nvPr>
-        </p:nvSpPr>
-        <p:spPr/>
-        <p:txBody>
-          <a:bodyPr/>
-          <a:lstStyle/>
-          <a:p>
-            <a:endParaRPr lang="zh-CN" altLang="en-US"/>
-          </a:p>
-        </p:txBody>
-      </p:sp>
+          <p:cNvPr id="6" name="矩形 5"/>
+          <p:cNvSpPr/>
+          <p:nvPr/>
+        </p:nvSpPr>
+        <p:spPr>
+          <a:xfrm>
+            <a:off x="835862" y="4072525"/>
+            <a:ext cx="1480147" cy="923330"/>
+          </a:xfrm>
+          <a:prstGeom prst="rect">
+            <a:avLst/>
+          </a:prstGeom>
+        </p:spPr>
+        <p:txBody>
+          <a:bodyPr wrap="square">
+            <a:spAutoFit/>
+          </a:bodyPr>
+          <a:lstStyle/>
+          <a:p>
+            <a:r>
+              <a:rPr lang="zh-CN" altLang="en-US" dirty="0"/>
+              <a:t>芯片内部集成了高速、低速振荡器</a:t>
+            </a:r>
+          </a:p>
+        </p:txBody>
+      </p:sp>
+      <p:sp>
+        <p:nvSpPr>
+          <p:cNvPr id="7" name="矩形 6"/>
+          <p:cNvSpPr/>
+          <p:nvPr/>
+        </p:nvSpPr>
+        <p:spPr>
+          <a:xfrm>
+            <a:off x="10111307" y="3434060"/>
+            <a:ext cx="1454160" cy="923330"/>
+          </a:xfrm>
+          <a:prstGeom prst="rect">
+            <a:avLst/>
+          </a:prstGeom>
+        </p:spPr>
+        <p:txBody>
+          <a:bodyPr wrap="square">
+            <a:spAutoFit/>
+          </a:bodyPr>
+          <a:lstStyle/>
+          <a:p>
+            <a:r>
+              <a:rPr lang="zh-CN" altLang="en-US" dirty="0"/>
+              <a:t>每个时钟源可以单独开启和关闭</a:t>
+            </a:r>
+          </a:p>
+        </p:txBody>
+      </p:sp>
+      <p:sp>
+        <p:nvSpPr>
+          <p:cNvPr id="8" name="矩形 7"/>
+          <p:cNvSpPr/>
+          <p:nvPr/>
+        </p:nvSpPr>
+        <p:spPr>
+          <a:xfrm>
+            <a:off x="838199" y="2219629"/>
+            <a:ext cx="1716246" cy="646331"/>
+          </a:xfrm>
+          <a:prstGeom prst="rect">
+            <a:avLst/>
+          </a:prstGeom>
+        </p:spPr>
+        <p:txBody>
+          <a:bodyPr wrap="square">
+            <a:spAutoFit/>
+          </a:bodyPr>
+          <a:lstStyle/>
+          <a:p>
+            <a:r>
+              <a:rPr lang="zh-CN" altLang="en-US" dirty="0" smtClean="0"/>
+              <a:t>高速时钟、</a:t>
+            </a:r>
+            <a:endParaRPr lang="en-US" altLang="zh-CN" dirty="0" smtClean="0"/>
+          </a:p>
+          <a:p>
+            <a:r>
+              <a:rPr lang="zh-CN" altLang="en-US" dirty="0" smtClean="0"/>
+              <a:t>低速</a:t>
+            </a:r>
+            <a:r>
+              <a:rPr lang="zh-CN" altLang="en-US" dirty="0"/>
+              <a:t>次级时钟</a:t>
+            </a:r>
+            <a:endParaRPr lang="zh-CN" altLang="en-US" dirty="0"/>
+          </a:p>
+        </p:txBody>
+      </p:sp>
+      <p:pic>
+        <p:nvPicPr>
+          <p:cNvPr id="3" name="图片 2"/>
+          <p:cNvPicPr>
+            <a:picLocks noChangeAspect="1"/>
+          </p:cNvPicPr>
+          <p:nvPr/>
+        </p:nvPicPr>
+        <p:blipFill>
+          <a:blip r:embed="rId2"/>
+          <a:stretch>
+            <a:fillRect/>
+          </a:stretch>
+        </p:blipFill>
+        <p:spPr>
+          <a:xfrm>
+            <a:off x="2537512" y="2658269"/>
+            <a:ext cx="6162675" cy="2686050"/>
+          </a:xfrm>
+          <a:prstGeom prst="rect">
+            <a:avLst/>
+          </a:prstGeom>
+        </p:spPr>
+      </p:pic>
     </p:spTree>
     <p:extLst>
       <p:ext uri="{BB962C8B-B14F-4D97-AF65-F5344CB8AC3E}">
-        <p14:creationId xmlns:p14="http://schemas.microsoft.com/office/powerpoint/2010/main" val="3839626162"/>
+        <p14:creationId xmlns:p14="http://schemas.microsoft.com/office/powerpoint/2010/main" val="885789909"/>
       </p:ext>
     </p:extLst>
   </p:cSld>
   <p:clrMapOvr>
     <a:masterClrMapping/>
   </p:clrMapOvr>
+  <p:timing>
+    <p:tnLst>
+      <p:par>
+        <p:cTn id="1" dur="indefinite" restart="never" nodeType="tmRoot"/>
+      </p:par>
+    </p:tnLst>
+  </p:timing>
+</p:sld>
+</file>
+
+<file path=ppt/slides/slide6.xml><?xml version="1.0" encoding="utf-8"?>
+<p:sld xmlns:a="http://schemas.openxmlformats.org/drawingml/2006/main" xmlns:r="http://schemas.openxmlformats.org/officeDocument/2006/relationships" xmlns:p="http://schemas.openxmlformats.org/presentationml/2006/main">
+  <p:cSld>
+    <p:spTree>
+      <p:nvGrpSpPr>
+        <p:cNvPr id="1" name=""/>
+        <p:cNvGrpSpPr/>
+        <p:nvPr/>
+      </p:nvGrpSpPr>
+      <p:grpSpPr>
+        <a:xfrm>
+          <a:off x="0" y="0"/>
+          <a:ext cx="0" cy="0"/>
+          <a:chOff x="0" y="0"/>
+          <a:chExt cx="0" cy="0"/>
+        </a:xfrm>
+      </p:grpSpPr>
+      <p:sp>
+        <p:nvSpPr>
+          <p:cNvPr id="4" name="标题 3"/>
+          <p:cNvSpPr>
+            <a:spLocks noGrp="1"/>
+          </p:cNvSpPr>
+          <p:nvPr>
+            <p:ph type="title"/>
+          </p:nvPr>
+        </p:nvSpPr>
+        <p:spPr/>
+        <p:txBody>
+          <a:bodyPr/>
+          <a:lstStyle/>
+          <a:p>
+            <a:r>
+              <a:rPr lang="en-US" altLang="zh-CN" dirty="0"/>
+              <a:t>STM32F407</a:t>
+            </a:r>
+            <a:r>
+              <a:rPr lang="zh-CN" altLang="en-US" dirty="0"/>
+              <a:t>时钟</a:t>
+            </a:r>
+            <a:r>
+              <a:rPr lang="zh-CN" altLang="en-US" dirty="0" smtClean="0"/>
+              <a:t>系统</a:t>
+            </a:r>
+            <a:r>
+              <a:rPr lang="en-US" altLang="zh-CN" dirty="0" smtClean="0"/>
+              <a:t>-</a:t>
+            </a:r>
+            <a:r>
+              <a:rPr lang="zh-CN" altLang="en-US" dirty="0" smtClean="0"/>
+              <a:t>时钟源</a:t>
+            </a:r>
+            <a:endParaRPr lang="zh-CN" altLang="en-US" dirty="0"/>
+          </a:p>
+        </p:txBody>
+      </p:sp>
+      <p:pic>
+        <p:nvPicPr>
+          <p:cNvPr id="6" name="图片 5"/>
+          <p:cNvPicPr>
+            <a:picLocks noChangeAspect="1"/>
+          </p:cNvPicPr>
+          <p:nvPr/>
+        </p:nvPicPr>
+        <p:blipFill>
+          <a:blip r:embed="rId3"/>
+          <a:stretch>
+            <a:fillRect/>
+          </a:stretch>
+        </p:blipFill>
+        <p:spPr>
+          <a:xfrm>
+            <a:off x="2678479" y="1315037"/>
+            <a:ext cx="6000750" cy="5514975"/>
+          </a:xfrm>
+          <a:prstGeom prst="rect">
+            <a:avLst/>
+          </a:prstGeom>
+        </p:spPr>
+      </p:pic>
+    </p:spTree>
+    <p:extLst>
+      <p:ext uri="{BB962C8B-B14F-4D97-AF65-F5344CB8AC3E}">
+        <p14:creationId xmlns:p14="http://schemas.microsoft.com/office/powerpoint/2010/main" val="4226544809"/>
+      </p:ext>
+    </p:extLst>
+  </p:cSld>
+  <p:clrMapOvr>
+    <a:masterClrMapping/>
+  </p:clrMapOvr>
+  <p:timing>
+    <p:tnLst>
+      <p:par>
+        <p:cTn id="1" dur="indefinite" restart="never" nodeType="tmRoot"/>
+      </p:par>
+    </p:tnLst>
+  </p:timing>
+</p:sld>
+</file>
+
+<file path=ppt/slides/slide7.xml><?xml version="1.0" encoding="utf-8"?>
+<p:sld xmlns:a="http://schemas.openxmlformats.org/drawingml/2006/main" xmlns:r="http://schemas.openxmlformats.org/officeDocument/2006/relationships" xmlns:p="http://schemas.openxmlformats.org/presentationml/2006/main">
+  <p:cSld>
+    <p:spTree>
+      <p:nvGrpSpPr>
+        <p:cNvPr id="1" name=""/>
+        <p:cNvGrpSpPr/>
+        <p:nvPr/>
+      </p:nvGrpSpPr>
+      <p:grpSpPr>
+        <a:xfrm>
+          <a:off x="0" y="0"/>
+          <a:ext cx="0" cy="0"/>
+          <a:chOff x="0" y="0"/>
+          <a:chExt cx="0" cy="0"/>
+        </a:xfrm>
+      </p:grpSpPr>
+      <p:sp>
+        <p:nvSpPr>
+          <p:cNvPr id="4" name="标题 3"/>
+          <p:cNvSpPr>
+            <a:spLocks noGrp="1"/>
+          </p:cNvSpPr>
+          <p:nvPr>
+            <p:ph type="title"/>
+          </p:nvPr>
+        </p:nvSpPr>
+        <p:spPr/>
+        <p:txBody>
+          <a:bodyPr/>
+          <a:lstStyle/>
+          <a:p>
+            <a:r>
+              <a:rPr lang="en-US" altLang="zh-CN" dirty="0"/>
+              <a:t>STM32F407</a:t>
+            </a:r>
+            <a:r>
+              <a:rPr lang="zh-CN" altLang="en-US" dirty="0"/>
+              <a:t>时钟系统</a:t>
+            </a:r>
+            <a:r>
+              <a:rPr lang="en-US" altLang="zh-CN" dirty="0"/>
+              <a:t>-</a:t>
+            </a:r>
+            <a:r>
+              <a:rPr lang="zh-CN" altLang="en-US" dirty="0"/>
+              <a:t>时钟源</a:t>
+            </a:r>
+            <a:endParaRPr lang="zh-CN" altLang="en-US" dirty="0"/>
+          </a:p>
+        </p:txBody>
+      </p:sp>
+      <p:pic>
+        <p:nvPicPr>
+          <p:cNvPr id="6" name="图片 5"/>
+          <p:cNvPicPr>
+            <a:picLocks noChangeAspect="1"/>
+          </p:cNvPicPr>
+          <p:nvPr/>
+        </p:nvPicPr>
+        <p:blipFill>
+          <a:blip r:embed="rId2"/>
+          <a:stretch>
+            <a:fillRect/>
+          </a:stretch>
+        </p:blipFill>
+        <p:spPr>
+          <a:xfrm>
+            <a:off x="2537512" y="2658269"/>
+            <a:ext cx="6162675" cy="2686050"/>
+          </a:xfrm>
+          <a:prstGeom prst="rect">
+            <a:avLst/>
+          </a:prstGeom>
+        </p:spPr>
+      </p:pic>
+    </p:spTree>
+    <p:extLst>
+      <p:ext uri="{BB962C8B-B14F-4D97-AF65-F5344CB8AC3E}">
+        <p14:creationId xmlns:p14="http://schemas.microsoft.com/office/powerpoint/2010/main" val="1003964919"/>
+      </p:ext>
+    </p:extLst>
+  </p:cSld>
+  <p:clrMapOvr>
+    <a:masterClrMapping/>
+  </p:clrMapOvr>
+  <p:timing>
+    <p:tnLst>
+      <p:par>
+        <p:cTn id="1" dur="indefinite" restart="never" nodeType="tmRoot"/>
+      </p:par>
+    </p:tnLst>
+  </p:timing>
+</p:sld>
+</file>
+
+<file path=ppt/slides/slide8.xml><?xml version="1.0" encoding="utf-8"?>
+<p:sld xmlns:a="http://schemas.openxmlformats.org/drawingml/2006/main" xmlns:r="http://schemas.openxmlformats.org/officeDocument/2006/relationships" xmlns:p="http://schemas.openxmlformats.org/presentationml/2006/main">
+  <p:cSld>
+    <p:spTree>
+      <p:nvGrpSpPr>
+        <p:cNvPr id="1" name=""/>
+        <p:cNvGrpSpPr/>
+        <p:nvPr/>
+      </p:nvGrpSpPr>
+      <p:grpSpPr>
+        <a:xfrm>
+          <a:off x="0" y="0"/>
+          <a:ext cx="0" cy="0"/>
+          <a:chOff x="0" y="0"/>
+          <a:chExt cx="0" cy="0"/>
+        </a:xfrm>
+      </p:grpSpPr>
+      <p:pic>
+        <p:nvPicPr>
+          <p:cNvPr id="32" name="图片 31"/>
+          <p:cNvPicPr>
+            <a:picLocks noChangeAspect="1"/>
+          </p:cNvPicPr>
+          <p:nvPr/>
+        </p:nvPicPr>
+        <p:blipFill>
+          <a:blip r:embed="rId3"/>
+          <a:stretch>
+            <a:fillRect/>
+          </a:stretch>
+        </p:blipFill>
+        <p:spPr>
+          <a:xfrm>
+            <a:off x="3739335" y="2599005"/>
+            <a:ext cx="1181100" cy="723900"/>
+          </a:xfrm>
+          <a:prstGeom prst="rect">
+            <a:avLst/>
+          </a:prstGeom>
+        </p:spPr>
+      </p:pic>
+      <p:sp>
+        <p:nvSpPr>
+          <p:cNvPr id="4" name="标题 3"/>
+          <p:cNvSpPr>
+            <a:spLocks noGrp="1"/>
+          </p:cNvSpPr>
+          <p:nvPr>
+            <p:ph type="title"/>
+          </p:nvPr>
+        </p:nvSpPr>
+        <p:spPr/>
+        <p:txBody>
+          <a:bodyPr/>
+          <a:lstStyle/>
+          <a:p>
+            <a:r>
+              <a:rPr lang="en-US" altLang="zh-CN" dirty="0"/>
+              <a:t>STM32F407</a:t>
+            </a:r>
+            <a:r>
+              <a:rPr lang="zh-CN" altLang="en-US" dirty="0"/>
+              <a:t>时钟</a:t>
+            </a:r>
+            <a:r>
+              <a:rPr lang="zh-CN" altLang="en-US" dirty="0" smtClean="0"/>
+              <a:t>系统</a:t>
+            </a:r>
+            <a:r>
+              <a:rPr lang="en-US" altLang="zh-CN" dirty="0"/>
+              <a:t>-PLL</a:t>
+            </a:r>
+            <a:r>
+              <a:rPr lang="zh-CN" altLang="en-US" dirty="0" smtClean="0"/>
+              <a:t>锁相环</a:t>
+            </a:r>
+            <a:endParaRPr lang="zh-CN" altLang="en-US" dirty="0"/>
+          </a:p>
+        </p:txBody>
+      </p:sp>
+      <p:pic>
+        <p:nvPicPr>
+          <p:cNvPr id="8" name="图片 7"/>
+          <p:cNvPicPr>
+            <a:picLocks noChangeAspect="1"/>
+          </p:cNvPicPr>
+          <p:nvPr/>
+        </p:nvPicPr>
+        <p:blipFill>
+          <a:blip r:embed="rId4"/>
+          <a:stretch>
+            <a:fillRect/>
+          </a:stretch>
+        </p:blipFill>
+        <p:spPr>
+          <a:xfrm>
+            <a:off x="4627074" y="1284895"/>
+            <a:ext cx="6000750" cy="5514975"/>
+          </a:xfrm>
+          <a:prstGeom prst="rect">
+            <a:avLst/>
+          </a:prstGeom>
+        </p:spPr>
+      </p:pic>
+      <p:sp>
+        <p:nvSpPr>
+          <p:cNvPr id="7" name="矩形 6"/>
+          <p:cNvSpPr/>
+          <p:nvPr/>
+        </p:nvSpPr>
+        <p:spPr>
+          <a:xfrm>
+            <a:off x="6603754" y="6434940"/>
+            <a:ext cx="4597402" cy="461665"/>
+          </a:xfrm>
+          <a:prstGeom prst="rect">
+            <a:avLst/>
+          </a:prstGeom>
+        </p:spPr>
+        <p:txBody>
+          <a:bodyPr wrap="square">
+            <a:spAutoFit/>
+          </a:bodyPr>
+          <a:lstStyle/>
+          <a:p>
+            <a:r>
+              <a:rPr lang="en-US" altLang="zh-CN" sz="2400" dirty="0" smtClean="0">
+                <a:solidFill>
+                  <a:srgbClr val="FF0000"/>
+                </a:solidFill>
+                <a:latin typeface="Arial" panose="020B0604020202020204" pitchFamily="34" charset="0"/>
+              </a:rPr>
+              <a:t>PLL48CK</a:t>
+            </a:r>
+            <a:r>
+              <a:rPr lang="en-US" altLang="zh-CN" dirty="0" smtClean="0">
+                <a:solidFill>
+                  <a:srgbClr val="FF0000"/>
+                </a:solidFill>
+                <a:latin typeface="Arial" panose="020B0604020202020204" pitchFamily="34" charset="0"/>
+              </a:rPr>
+              <a:t> </a:t>
+            </a:r>
+            <a:r>
+              <a:rPr lang="en-US" altLang="zh-CN" sz="2400" dirty="0">
+                <a:solidFill>
+                  <a:srgbClr val="FF0000"/>
+                </a:solidFill>
+                <a:latin typeface="Arial" panose="020B0604020202020204" pitchFamily="34" charset="0"/>
+              </a:rPr>
+              <a:t>= f</a:t>
+            </a:r>
+            <a:r>
+              <a:rPr lang="en-US" altLang="zh-CN" dirty="0">
+                <a:solidFill>
+                  <a:srgbClr val="FF0000"/>
+                </a:solidFill>
+                <a:latin typeface="Arial" panose="020B0604020202020204" pitchFamily="34" charset="0"/>
+              </a:rPr>
+              <a:t>(VCO clock) </a:t>
+            </a:r>
+            <a:r>
+              <a:rPr lang="en-US" altLang="zh-CN" sz="2400" dirty="0">
+                <a:solidFill>
+                  <a:srgbClr val="FF0000"/>
+                </a:solidFill>
+                <a:latin typeface="Arial" panose="020B0604020202020204" pitchFamily="34" charset="0"/>
+              </a:rPr>
+              <a:t>/ </a:t>
+            </a:r>
+            <a:r>
+              <a:rPr lang="en-US" altLang="zh-CN" sz="2400" dirty="0" smtClean="0">
+                <a:solidFill>
+                  <a:srgbClr val="FF0000"/>
+                </a:solidFill>
+                <a:latin typeface="Arial" panose="020B0604020202020204" pitchFamily="34" charset="0"/>
+              </a:rPr>
+              <a:t>PLLQ</a:t>
+            </a:r>
+            <a:endParaRPr lang="zh-CN" altLang="en-US" dirty="0">
+              <a:solidFill>
+                <a:srgbClr val="FF0000"/>
+              </a:solidFill>
+            </a:endParaRPr>
+          </a:p>
+        </p:txBody>
+      </p:sp>
+      <p:sp>
+        <p:nvSpPr>
+          <p:cNvPr id="2" name="矩形 1"/>
+          <p:cNvSpPr/>
+          <p:nvPr/>
+        </p:nvSpPr>
+        <p:spPr>
+          <a:xfrm>
+            <a:off x="457319" y="5628222"/>
+            <a:ext cx="4688459" cy="830997"/>
+          </a:xfrm>
+          <a:prstGeom prst="rect">
+            <a:avLst/>
+          </a:prstGeom>
+        </p:spPr>
+        <p:txBody>
+          <a:bodyPr wrap="square">
+            <a:spAutoFit/>
+          </a:bodyPr>
+          <a:lstStyle/>
+          <a:p>
+            <a:r>
+              <a:rPr lang="en-US" altLang="zh-CN" sz="2400" dirty="0" smtClean="0">
+                <a:solidFill>
+                  <a:srgbClr val="FF0000"/>
+                </a:solidFill>
+                <a:latin typeface="Arial" panose="020B0604020202020204" pitchFamily="34" charset="0"/>
+              </a:rPr>
+              <a:t>f</a:t>
+            </a:r>
+            <a:r>
+              <a:rPr lang="en-US" altLang="zh-CN" dirty="0" smtClean="0">
+                <a:solidFill>
+                  <a:srgbClr val="FF0000"/>
+                </a:solidFill>
+                <a:latin typeface="Arial" panose="020B0604020202020204" pitchFamily="34" charset="0"/>
+              </a:rPr>
+              <a:t>(VCO </a:t>
+            </a:r>
+            <a:r>
+              <a:rPr lang="en-US" altLang="zh-CN" dirty="0">
+                <a:solidFill>
+                  <a:srgbClr val="FF0000"/>
+                </a:solidFill>
+                <a:latin typeface="Arial" panose="020B0604020202020204" pitchFamily="34" charset="0"/>
+              </a:rPr>
+              <a:t>clock) </a:t>
+            </a:r>
+            <a:r>
+              <a:rPr lang="en-US" altLang="zh-CN" sz="2400" dirty="0">
+                <a:solidFill>
+                  <a:srgbClr val="000000"/>
+                </a:solidFill>
+                <a:latin typeface="Arial" panose="020B0604020202020204" pitchFamily="34" charset="0"/>
+              </a:rPr>
+              <a:t>= </a:t>
+            </a:r>
+            <a:endParaRPr lang="en-US" altLang="zh-CN" sz="2400" dirty="0" smtClean="0">
+              <a:solidFill>
+                <a:srgbClr val="000000"/>
+              </a:solidFill>
+              <a:latin typeface="Arial" panose="020B0604020202020204" pitchFamily="34" charset="0"/>
+            </a:endParaRPr>
+          </a:p>
+          <a:p>
+            <a:r>
+              <a:rPr lang="en-US" altLang="zh-CN" sz="2400" dirty="0" smtClean="0">
+                <a:solidFill>
+                  <a:srgbClr val="000000"/>
+                </a:solidFill>
+                <a:latin typeface="Arial" panose="020B0604020202020204" pitchFamily="34" charset="0"/>
+              </a:rPr>
+              <a:t>f</a:t>
+            </a:r>
+            <a:r>
+              <a:rPr lang="en-US" altLang="zh-CN" dirty="0" smtClean="0">
+                <a:solidFill>
+                  <a:srgbClr val="000000"/>
+                </a:solidFill>
+                <a:latin typeface="Arial" panose="020B0604020202020204" pitchFamily="34" charset="0"/>
+              </a:rPr>
+              <a:t>(PLL </a:t>
+            </a:r>
+            <a:r>
+              <a:rPr lang="en-US" altLang="zh-CN" dirty="0">
+                <a:solidFill>
+                  <a:srgbClr val="000000"/>
+                </a:solidFill>
+                <a:latin typeface="Arial" panose="020B0604020202020204" pitchFamily="34" charset="0"/>
+              </a:rPr>
+              <a:t>clock input) </a:t>
+            </a:r>
+            <a:r>
+              <a:rPr lang="en-US" altLang="zh-CN" sz="2400" dirty="0" smtClean="0">
+                <a:solidFill>
+                  <a:srgbClr val="000000"/>
+                </a:solidFill>
+                <a:latin typeface="Arial" panose="020B0604020202020204" pitchFamily="34" charset="0"/>
+              </a:rPr>
+              <a:t>× </a:t>
+            </a:r>
+            <a:r>
+              <a:rPr lang="en-US" altLang="zh-CN" sz="2400" dirty="0">
+                <a:solidFill>
+                  <a:srgbClr val="000000"/>
+                </a:solidFill>
+                <a:latin typeface="Arial" panose="020B0604020202020204" pitchFamily="34" charset="0"/>
+              </a:rPr>
+              <a:t>(PLLN / PLLM</a:t>
+            </a:r>
+            <a:r>
+              <a:rPr lang="en-US" altLang="zh-CN" sz="2400" dirty="0" smtClean="0">
+                <a:solidFill>
+                  <a:srgbClr val="000000"/>
+                </a:solidFill>
+                <a:latin typeface="Arial" panose="020B0604020202020204" pitchFamily="34" charset="0"/>
+              </a:rPr>
+              <a:t>)</a:t>
+            </a:r>
+            <a:endParaRPr lang="zh-CN" altLang="en-US" dirty="0"/>
+          </a:p>
+        </p:txBody>
+      </p:sp>
+      <p:sp>
+        <p:nvSpPr>
+          <p:cNvPr id="6" name="矩形 5"/>
+          <p:cNvSpPr/>
+          <p:nvPr/>
+        </p:nvSpPr>
+        <p:spPr>
+          <a:xfrm>
+            <a:off x="7525849" y="5281639"/>
+            <a:ext cx="4577251" cy="461665"/>
+          </a:xfrm>
+          <a:prstGeom prst="rect">
+            <a:avLst/>
+          </a:prstGeom>
+        </p:spPr>
+        <p:txBody>
+          <a:bodyPr wrap="square">
+            <a:spAutoFit/>
+          </a:bodyPr>
+          <a:lstStyle/>
+          <a:p>
+            <a:r>
+              <a:rPr lang="en-US" altLang="zh-CN" sz="2400" dirty="0" smtClean="0">
+                <a:solidFill>
+                  <a:srgbClr val="FF0000"/>
+                </a:solidFill>
+                <a:latin typeface="Arial" panose="020B0604020202020204" pitchFamily="34" charset="0"/>
+              </a:rPr>
+              <a:t>PLLCLK</a:t>
+            </a:r>
+            <a:r>
+              <a:rPr lang="en-US" altLang="zh-CN" dirty="0" smtClean="0">
+                <a:solidFill>
+                  <a:srgbClr val="FF0000"/>
+                </a:solidFill>
+                <a:latin typeface="Arial" panose="020B0604020202020204" pitchFamily="34" charset="0"/>
+              </a:rPr>
+              <a:t> </a:t>
+            </a:r>
+            <a:r>
+              <a:rPr lang="en-US" altLang="zh-CN" sz="2400" dirty="0">
+                <a:solidFill>
+                  <a:srgbClr val="FF0000"/>
+                </a:solidFill>
+                <a:latin typeface="Arial" panose="020B0604020202020204" pitchFamily="34" charset="0"/>
+              </a:rPr>
+              <a:t>= f</a:t>
+            </a:r>
+            <a:r>
+              <a:rPr lang="en-US" altLang="zh-CN" dirty="0">
+                <a:solidFill>
+                  <a:srgbClr val="FF0000"/>
+                </a:solidFill>
+                <a:latin typeface="Arial" panose="020B0604020202020204" pitchFamily="34" charset="0"/>
+              </a:rPr>
+              <a:t>(VCO clock) </a:t>
+            </a:r>
+            <a:r>
+              <a:rPr lang="en-US" altLang="zh-CN" sz="2400" dirty="0">
+                <a:solidFill>
+                  <a:srgbClr val="FF0000"/>
+                </a:solidFill>
+                <a:latin typeface="Arial" panose="020B0604020202020204" pitchFamily="34" charset="0"/>
+              </a:rPr>
+              <a:t>/ </a:t>
+            </a:r>
+            <a:r>
+              <a:rPr lang="en-US" altLang="zh-CN" sz="2400" dirty="0" smtClean="0">
+                <a:solidFill>
+                  <a:srgbClr val="FF0000"/>
+                </a:solidFill>
+                <a:latin typeface="Arial" panose="020B0604020202020204" pitchFamily="34" charset="0"/>
+              </a:rPr>
+              <a:t>PLLP</a:t>
+            </a:r>
+            <a:endParaRPr lang="zh-CN" altLang="en-US" dirty="0">
+              <a:solidFill>
+                <a:srgbClr val="FF0000"/>
+              </a:solidFill>
+            </a:endParaRPr>
+          </a:p>
+        </p:txBody>
+      </p:sp>
+      <p:sp>
+        <p:nvSpPr>
+          <p:cNvPr id="14" name="矩形 13"/>
+          <p:cNvSpPr/>
+          <p:nvPr/>
+        </p:nvSpPr>
+        <p:spPr>
+          <a:xfrm>
+            <a:off x="5379506" y="5717904"/>
+            <a:ext cx="1099981" cy="276999"/>
+          </a:xfrm>
+          <a:prstGeom prst="rect">
+            <a:avLst/>
+          </a:prstGeom>
+        </p:spPr>
+        <p:txBody>
+          <a:bodyPr wrap="none">
+            <a:spAutoFit/>
+          </a:bodyPr>
+          <a:lstStyle/>
+          <a:p>
+            <a:r>
+              <a:rPr lang="en-US" altLang="zh-CN" sz="1200" dirty="0">
+                <a:solidFill>
+                  <a:srgbClr val="FF0000"/>
+                </a:solidFill>
+                <a:latin typeface="Arial" panose="020B0604020202020204" pitchFamily="34" charset="0"/>
+              </a:rPr>
+              <a:t>f(VCO clock) </a:t>
+            </a:r>
+            <a:endParaRPr lang="zh-CN" altLang="en-US" sz="1200" dirty="0"/>
+          </a:p>
+        </p:txBody>
+      </p:sp>
+      <p:cxnSp>
+        <p:nvCxnSpPr>
+          <p:cNvPr id="16" name="直接箭头连接符 15"/>
+          <p:cNvCxnSpPr/>
+          <p:nvPr/>
+        </p:nvCxnSpPr>
+        <p:spPr>
+          <a:xfrm>
+            <a:off x="5710767" y="5947833"/>
+            <a:ext cx="160032" cy="266223"/>
+          </a:xfrm>
+          <a:prstGeom prst="straightConnector1">
+            <a:avLst/>
+          </a:prstGeom>
+          <a:ln>
+            <a:tailEnd type="triangle"/>
+          </a:ln>
+        </p:spPr>
+        <p:style>
+          <a:lnRef idx="1">
+            <a:schemeClr val="accent1"/>
+          </a:lnRef>
+          <a:fillRef idx="0">
+            <a:schemeClr val="accent1"/>
+          </a:fillRef>
+          <a:effectRef idx="0">
+            <a:schemeClr val="accent1"/>
+          </a:effectRef>
+          <a:fontRef idx="minor">
+            <a:schemeClr val="tx1"/>
+          </a:fontRef>
+        </p:style>
+      </p:cxnSp>
+      <p:sp>
+        <p:nvSpPr>
+          <p:cNvPr id="18" name="矩形 17"/>
+          <p:cNvSpPr/>
+          <p:nvPr/>
+        </p:nvSpPr>
+        <p:spPr>
+          <a:xfrm>
+            <a:off x="6373013" y="5619778"/>
+            <a:ext cx="1010213" cy="215444"/>
+          </a:xfrm>
+          <a:prstGeom prst="rect">
+            <a:avLst/>
+          </a:prstGeom>
+        </p:spPr>
+        <p:txBody>
+          <a:bodyPr wrap="none">
+            <a:spAutoFit/>
+          </a:bodyPr>
+          <a:lstStyle/>
+          <a:p>
+            <a:r>
+              <a:rPr lang="en-US" altLang="zh-CN" sz="800" dirty="0">
+                <a:solidFill>
+                  <a:srgbClr val="000000"/>
+                </a:solidFill>
+                <a:latin typeface="Arial" panose="020B0604020202020204" pitchFamily="34" charset="0"/>
+              </a:rPr>
+              <a:t>f(PLL clock input) </a:t>
+            </a:r>
+            <a:endParaRPr lang="zh-CN" altLang="en-US" sz="800" dirty="0"/>
+          </a:p>
+        </p:txBody>
+      </p:sp>
+      <p:cxnSp>
+        <p:nvCxnSpPr>
+          <p:cNvPr id="20" name="直接箭头连接符 19"/>
+          <p:cNvCxnSpPr/>
+          <p:nvPr/>
+        </p:nvCxnSpPr>
+        <p:spPr>
+          <a:xfrm>
+            <a:off x="6864306" y="5835222"/>
+            <a:ext cx="13813" cy="159681"/>
+          </a:xfrm>
+          <a:prstGeom prst="straightConnector1">
+            <a:avLst/>
+          </a:prstGeom>
+          <a:ln>
+            <a:tailEnd type="triangle"/>
+          </a:ln>
+        </p:spPr>
+        <p:style>
+          <a:lnRef idx="1">
+            <a:schemeClr val="accent1"/>
+          </a:lnRef>
+          <a:fillRef idx="0">
+            <a:schemeClr val="accent1"/>
+          </a:fillRef>
+          <a:effectRef idx="0">
+            <a:schemeClr val="accent1"/>
+          </a:effectRef>
+          <a:fontRef idx="minor">
+            <a:schemeClr val="tx1"/>
+          </a:fontRef>
+        </p:style>
+      </p:cxnSp>
+      <p:pic>
+        <p:nvPicPr>
+          <p:cNvPr id="25" name="图片 24"/>
+          <p:cNvPicPr>
+            <a:picLocks noChangeAspect="1"/>
+          </p:cNvPicPr>
+          <p:nvPr/>
+        </p:nvPicPr>
+        <p:blipFill>
+          <a:blip r:embed="rId5"/>
+          <a:stretch>
+            <a:fillRect/>
+          </a:stretch>
+        </p:blipFill>
+        <p:spPr>
+          <a:xfrm>
+            <a:off x="129664" y="3275328"/>
+            <a:ext cx="4897214" cy="996670"/>
+          </a:xfrm>
+          <a:prstGeom prst="rect">
+            <a:avLst/>
+          </a:prstGeom>
+        </p:spPr>
+      </p:pic>
+      <p:sp>
+        <p:nvSpPr>
+          <p:cNvPr id="26" name="矩形 25"/>
+          <p:cNvSpPr/>
+          <p:nvPr/>
+        </p:nvSpPr>
+        <p:spPr>
+          <a:xfrm>
+            <a:off x="129664" y="2641868"/>
+            <a:ext cx="4048813" cy="646331"/>
+          </a:xfrm>
+          <a:prstGeom prst="rect">
+            <a:avLst/>
+          </a:prstGeom>
+        </p:spPr>
+        <p:txBody>
+          <a:bodyPr wrap="square">
+            <a:spAutoFit/>
+          </a:bodyPr>
+          <a:lstStyle/>
+          <a:p>
+            <a:r>
+              <a:rPr lang="en-US" altLang="zh-CN" b="1" dirty="0">
+                <a:solidFill>
+                  <a:srgbClr val="000000"/>
+                </a:solidFill>
+                <a:latin typeface="Arial" panose="020B0604020202020204" pitchFamily="34" charset="0"/>
+              </a:rPr>
+              <a:t>RCC PLL configuration </a:t>
+            </a:r>
+            <a:r>
+              <a:rPr lang="en-US" altLang="zh-CN" b="1" dirty="0" smtClean="0">
+                <a:solidFill>
+                  <a:srgbClr val="000000"/>
+                </a:solidFill>
+                <a:latin typeface="Arial" panose="020B0604020202020204" pitchFamily="34" charset="0"/>
+              </a:rPr>
+              <a:t>register</a:t>
+            </a:r>
+          </a:p>
+          <a:p>
+            <a:r>
+              <a:rPr lang="en-US" altLang="zh-CN" b="1" dirty="0" smtClean="0">
+                <a:solidFill>
+                  <a:srgbClr val="000000"/>
+                </a:solidFill>
+                <a:latin typeface="Arial" panose="020B0604020202020204" pitchFamily="34" charset="0"/>
+              </a:rPr>
+              <a:t> </a:t>
+            </a:r>
+            <a:r>
+              <a:rPr lang="en-US" altLang="zh-CN" b="1" dirty="0">
+                <a:solidFill>
+                  <a:srgbClr val="000000"/>
+                </a:solidFill>
+                <a:latin typeface="Arial" panose="020B0604020202020204" pitchFamily="34" charset="0"/>
+              </a:rPr>
+              <a:t>(RCC_PLLCFGR</a:t>
+            </a:r>
+            <a:r>
+              <a:rPr lang="en-US" altLang="zh-CN" b="1" dirty="0" smtClean="0">
+                <a:solidFill>
+                  <a:srgbClr val="000000"/>
+                </a:solidFill>
+                <a:latin typeface="Arial" panose="020B0604020202020204" pitchFamily="34" charset="0"/>
+              </a:rPr>
+              <a:t>)</a:t>
+            </a:r>
+            <a:endParaRPr lang="zh-CN" altLang="en-US" dirty="0"/>
+          </a:p>
+        </p:txBody>
+      </p:sp>
+      <p:sp>
+        <p:nvSpPr>
+          <p:cNvPr id="27" name="文本框 26"/>
+          <p:cNvSpPr txBox="1"/>
+          <p:nvPr/>
+        </p:nvSpPr>
+        <p:spPr>
+          <a:xfrm>
+            <a:off x="1433542" y="4239208"/>
+            <a:ext cx="338554" cy="215444"/>
+          </a:xfrm>
+          <a:prstGeom prst="rect">
+            <a:avLst/>
+          </a:prstGeom>
+          <a:noFill/>
+        </p:spPr>
+        <p:txBody>
+          <a:bodyPr wrap="none" rtlCol="0">
+            <a:spAutoFit/>
+          </a:bodyPr>
+          <a:lstStyle/>
+          <a:p>
+            <a:r>
+              <a:rPr lang="en-US" altLang="zh-CN" sz="800" dirty="0" smtClean="0"/>
+              <a:t>9</a:t>
+            </a:r>
+            <a:r>
+              <a:rPr lang="zh-CN" altLang="en-US" sz="800" dirty="0" smtClean="0"/>
+              <a:t>位</a:t>
+            </a:r>
+            <a:endParaRPr lang="zh-CN" altLang="en-US" sz="800" dirty="0"/>
+          </a:p>
+        </p:txBody>
+      </p:sp>
+      <p:sp>
+        <p:nvSpPr>
+          <p:cNvPr id="28" name="文本框 27"/>
+          <p:cNvSpPr txBox="1"/>
+          <p:nvPr/>
+        </p:nvSpPr>
+        <p:spPr>
+          <a:xfrm>
+            <a:off x="3643342" y="4226508"/>
+            <a:ext cx="338554" cy="215444"/>
+          </a:xfrm>
+          <a:prstGeom prst="rect">
+            <a:avLst/>
+          </a:prstGeom>
+          <a:noFill/>
+        </p:spPr>
+        <p:txBody>
+          <a:bodyPr wrap="none" rtlCol="0">
+            <a:spAutoFit/>
+          </a:bodyPr>
+          <a:lstStyle/>
+          <a:p>
+            <a:r>
+              <a:rPr lang="en-US" altLang="zh-CN" sz="800" dirty="0" smtClean="0"/>
+              <a:t>6</a:t>
+            </a:r>
+            <a:r>
+              <a:rPr lang="zh-CN" altLang="en-US" sz="800" dirty="0" smtClean="0"/>
+              <a:t>位</a:t>
+            </a:r>
+            <a:endParaRPr lang="zh-CN" altLang="en-US" sz="800" dirty="0"/>
+          </a:p>
+        </p:txBody>
+      </p:sp>
+      <p:sp>
+        <p:nvSpPr>
+          <p:cNvPr id="30" name="矩形 29"/>
+          <p:cNvSpPr/>
+          <p:nvPr/>
+        </p:nvSpPr>
+        <p:spPr>
+          <a:xfrm>
+            <a:off x="627642" y="4471690"/>
+            <a:ext cx="2242527" cy="369332"/>
+          </a:xfrm>
+          <a:prstGeom prst="rect">
+            <a:avLst/>
+          </a:prstGeom>
+        </p:spPr>
+        <p:txBody>
+          <a:bodyPr wrap="square">
+            <a:spAutoFit/>
+          </a:bodyPr>
+          <a:lstStyle/>
+          <a:p>
+            <a:r>
+              <a:rPr lang="en-US" altLang="zh-CN" dirty="0">
+                <a:solidFill>
+                  <a:srgbClr val="000000"/>
+                </a:solidFill>
+                <a:latin typeface="Arial" panose="020B0604020202020204" pitchFamily="34" charset="0"/>
+              </a:rPr>
+              <a:t>192 </a:t>
+            </a:r>
+            <a:r>
+              <a:rPr lang="en-US" altLang="zh-CN" dirty="0" smtClean="0">
+                <a:solidFill>
+                  <a:srgbClr val="000000"/>
+                </a:solidFill>
+                <a:latin typeface="微软雅黑" panose="020B0503020204020204" pitchFamily="34" charset="-122"/>
+                <a:ea typeface="微软雅黑" panose="020B0503020204020204" pitchFamily="34" charset="-122"/>
+              </a:rPr>
+              <a:t>≤</a:t>
+            </a:r>
+            <a:r>
+              <a:rPr lang="en-US" altLang="zh-CN" dirty="0" smtClean="0">
+                <a:solidFill>
+                  <a:srgbClr val="000000"/>
+                </a:solidFill>
+                <a:latin typeface="Symbol" panose="05050102010706020507" pitchFamily="18" charset="2"/>
+              </a:rPr>
+              <a:t> </a:t>
+            </a:r>
+            <a:r>
+              <a:rPr lang="en-US" altLang="zh-CN" dirty="0">
+                <a:solidFill>
+                  <a:srgbClr val="000000"/>
+                </a:solidFill>
+                <a:latin typeface="Arial" panose="020B0604020202020204" pitchFamily="34" charset="0"/>
+              </a:rPr>
+              <a:t>PLLN </a:t>
+            </a:r>
+            <a:r>
+              <a:rPr lang="en-US" altLang="zh-CN" dirty="0">
+                <a:solidFill>
+                  <a:srgbClr val="000000"/>
+                </a:solidFill>
+                <a:latin typeface="微软雅黑" panose="020B0503020204020204" pitchFamily="34" charset="-122"/>
+                <a:ea typeface="微软雅黑" panose="020B0503020204020204" pitchFamily="34" charset="-122"/>
+              </a:rPr>
+              <a:t>≤</a:t>
+            </a:r>
+            <a:r>
+              <a:rPr lang="en-US" altLang="zh-CN" dirty="0" smtClean="0">
+                <a:solidFill>
+                  <a:srgbClr val="000000"/>
+                </a:solidFill>
+                <a:latin typeface="Symbol" panose="05050102010706020507" pitchFamily="18" charset="2"/>
+              </a:rPr>
+              <a:t> </a:t>
+            </a:r>
+            <a:r>
+              <a:rPr lang="en-US" altLang="zh-CN" dirty="0" smtClean="0">
+                <a:solidFill>
+                  <a:srgbClr val="000000"/>
+                </a:solidFill>
+                <a:latin typeface="Arial" panose="020B0604020202020204" pitchFamily="34" charset="0"/>
+              </a:rPr>
+              <a:t>432</a:t>
+            </a:r>
+            <a:endParaRPr lang="zh-CN" altLang="en-US" dirty="0"/>
+          </a:p>
+        </p:txBody>
+      </p:sp>
+      <p:sp>
+        <p:nvSpPr>
+          <p:cNvPr id="31" name="矩形 30"/>
+          <p:cNvSpPr/>
+          <p:nvPr/>
+        </p:nvSpPr>
+        <p:spPr>
+          <a:xfrm>
+            <a:off x="3108768" y="4460790"/>
+            <a:ext cx="2031488" cy="369332"/>
+          </a:xfrm>
+          <a:prstGeom prst="rect">
+            <a:avLst/>
+          </a:prstGeom>
+        </p:spPr>
+        <p:txBody>
+          <a:bodyPr wrap="square">
+            <a:spAutoFit/>
+          </a:bodyPr>
+          <a:lstStyle/>
+          <a:p>
+            <a:r>
+              <a:rPr lang="en-US" altLang="zh-CN" dirty="0">
+                <a:solidFill>
+                  <a:srgbClr val="000000"/>
+                </a:solidFill>
+                <a:latin typeface="Arial" panose="020B0604020202020204" pitchFamily="34" charset="0"/>
+              </a:rPr>
+              <a:t>2 </a:t>
+            </a:r>
+            <a:r>
+              <a:rPr lang="en-US" altLang="zh-CN" dirty="0">
+                <a:solidFill>
+                  <a:srgbClr val="000000"/>
+                </a:solidFill>
+                <a:latin typeface="微软雅黑" panose="020B0503020204020204" pitchFamily="34" charset="-122"/>
+                <a:ea typeface="微软雅黑" panose="020B0503020204020204" pitchFamily="34" charset="-122"/>
+              </a:rPr>
+              <a:t>≤</a:t>
+            </a:r>
+            <a:r>
+              <a:rPr lang="en-US" altLang="zh-CN" dirty="0" smtClean="0">
+                <a:solidFill>
+                  <a:srgbClr val="000000"/>
+                </a:solidFill>
+                <a:latin typeface="Symbol" panose="05050102010706020507" pitchFamily="18" charset="2"/>
+              </a:rPr>
+              <a:t> </a:t>
+            </a:r>
+            <a:r>
+              <a:rPr lang="en-US" altLang="zh-CN" dirty="0">
+                <a:solidFill>
+                  <a:srgbClr val="000000"/>
+                </a:solidFill>
+                <a:latin typeface="Arial" panose="020B0604020202020204" pitchFamily="34" charset="0"/>
+              </a:rPr>
+              <a:t>PLLM </a:t>
+            </a:r>
+            <a:r>
+              <a:rPr lang="en-US" altLang="zh-CN" dirty="0">
+                <a:solidFill>
+                  <a:srgbClr val="000000"/>
+                </a:solidFill>
+                <a:latin typeface="微软雅黑" panose="020B0503020204020204" pitchFamily="34" charset="-122"/>
+                <a:ea typeface="微软雅黑" panose="020B0503020204020204" pitchFamily="34" charset="-122"/>
+              </a:rPr>
+              <a:t>≤</a:t>
+            </a:r>
+            <a:r>
+              <a:rPr lang="en-US" altLang="zh-CN" dirty="0">
+                <a:solidFill>
+                  <a:srgbClr val="000000"/>
+                </a:solidFill>
+                <a:latin typeface="Symbol" panose="05050102010706020507" pitchFamily="18" charset="2"/>
+              </a:rPr>
+              <a:t> </a:t>
+            </a:r>
+            <a:r>
+              <a:rPr lang="en-US" altLang="zh-CN" dirty="0" smtClean="0">
+                <a:solidFill>
+                  <a:srgbClr val="000000"/>
+                </a:solidFill>
+                <a:latin typeface="Arial" panose="020B0604020202020204" pitchFamily="34" charset="0"/>
+              </a:rPr>
+              <a:t>63</a:t>
+            </a:r>
+            <a:endParaRPr lang="zh-CN" altLang="en-US" dirty="0"/>
+          </a:p>
+        </p:txBody>
+      </p:sp>
+      <p:sp>
+        <p:nvSpPr>
+          <p:cNvPr id="33" name="矩形 32"/>
+          <p:cNvSpPr/>
+          <p:nvPr/>
+        </p:nvSpPr>
+        <p:spPr>
+          <a:xfrm>
+            <a:off x="2036604" y="3056813"/>
+            <a:ext cx="1495666" cy="369332"/>
+          </a:xfrm>
+          <a:prstGeom prst="rect">
+            <a:avLst/>
+          </a:prstGeom>
+        </p:spPr>
+        <p:txBody>
+          <a:bodyPr wrap="none">
+            <a:spAutoFit/>
+          </a:bodyPr>
+          <a:lstStyle/>
+          <a:p>
+            <a:r>
+              <a:rPr lang="zh-CN" altLang="en-US" dirty="0"/>
+              <a:t> 2 ≤ PLLQ ≤ 15</a:t>
+            </a:r>
+          </a:p>
+        </p:txBody>
+      </p:sp>
+    </p:spTree>
+    <p:extLst>
+      <p:ext uri="{BB962C8B-B14F-4D97-AF65-F5344CB8AC3E}">
+        <p14:creationId xmlns:p14="http://schemas.microsoft.com/office/powerpoint/2010/main" val="3722740952"/>
+      </p:ext>
+    </p:extLst>
+  </p:cSld>
+  <p:clrMapOvr>
+    <a:masterClrMapping/>
+  </p:clrMapOvr>
+  <p:timing>
+    <p:tnLst>
+      <p:par>
+        <p:cTn id="1" dur="indefinite" restart="never" nodeType="tmRoot"/>
+      </p:par>
+    </p:tnLst>
+  </p:timing>
+</p:sld>
+</file>
+
+<file path=ppt/slides/slide9.xml><?xml version="1.0" encoding="utf-8"?>
+<p:sld xmlns:a="http://schemas.openxmlformats.org/drawingml/2006/main" xmlns:r="http://schemas.openxmlformats.org/officeDocument/2006/relationships" xmlns:p="http://schemas.openxmlformats.org/presentationml/2006/main">
+  <p:cSld>
+    <p:spTree>
+      <p:nvGrpSpPr>
+        <p:cNvPr id="1" name=""/>
+        <p:cNvGrpSpPr/>
+        <p:nvPr/>
+      </p:nvGrpSpPr>
+      <p:grpSpPr>
+        <a:xfrm>
+          <a:off x="0" y="0"/>
+          <a:ext cx="0" cy="0"/>
+          <a:chOff x="0" y="0"/>
+          <a:chExt cx="0" cy="0"/>
+        </a:xfrm>
+      </p:grpSpPr>
+      <p:sp>
+        <p:nvSpPr>
+          <p:cNvPr id="4" name="标题 3"/>
+          <p:cNvSpPr>
+            <a:spLocks noGrp="1"/>
+          </p:cNvSpPr>
+          <p:nvPr>
+            <p:ph type="title"/>
+          </p:nvPr>
+        </p:nvSpPr>
+        <p:spPr/>
+        <p:txBody>
+          <a:bodyPr/>
+          <a:lstStyle/>
+          <a:p>
+            <a:r>
+              <a:rPr lang="en-US" altLang="zh-CN" dirty="0"/>
+              <a:t>STM32F407</a:t>
+            </a:r>
+            <a:r>
+              <a:rPr lang="zh-CN" altLang="en-US" dirty="0"/>
+              <a:t>时钟系统</a:t>
+            </a:r>
+            <a:r>
+              <a:rPr lang="en-US" altLang="zh-CN" dirty="0"/>
+              <a:t>-PLL</a:t>
+            </a:r>
+            <a:r>
+              <a:rPr lang="zh-CN" altLang="en-US" dirty="0"/>
+              <a:t>锁相环</a:t>
+            </a:r>
+            <a:endParaRPr lang="zh-CN" altLang="en-US" dirty="0"/>
+          </a:p>
+        </p:txBody>
+      </p:sp>
+      <p:pic>
+        <p:nvPicPr>
+          <p:cNvPr id="3" name="图片 2"/>
+          <p:cNvPicPr>
+            <a:picLocks noChangeAspect="1"/>
+          </p:cNvPicPr>
+          <p:nvPr/>
+        </p:nvPicPr>
+        <p:blipFill>
+          <a:blip r:embed="rId2"/>
+          <a:stretch>
+            <a:fillRect/>
+          </a:stretch>
+        </p:blipFill>
+        <p:spPr>
+          <a:xfrm>
+            <a:off x="2284132" y="1586423"/>
+            <a:ext cx="6134100" cy="3752850"/>
+          </a:xfrm>
+          <a:prstGeom prst="rect">
+            <a:avLst/>
+          </a:prstGeom>
+        </p:spPr>
+      </p:pic>
+      <p:sp>
+        <p:nvSpPr>
+          <p:cNvPr id="7" name="矩形 6"/>
+          <p:cNvSpPr/>
+          <p:nvPr/>
+        </p:nvSpPr>
+        <p:spPr>
+          <a:xfrm>
+            <a:off x="4419601" y="2458407"/>
+            <a:ext cx="6367181" cy="461665"/>
+          </a:xfrm>
+          <a:prstGeom prst="rect">
+            <a:avLst/>
+          </a:prstGeom>
+        </p:spPr>
+        <p:txBody>
+          <a:bodyPr wrap="square">
+            <a:spAutoFit/>
+          </a:bodyPr>
+          <a:lstStyle/>
+          <a:p>
+            <a:r>
+              <a:rPr lang="en-US" altLang="zh-CN" sz="2400" dirty="0" smtClean="0">
+                <a:solidFill>
+                  <a:srgbClr val="FF0000"/>
+                </a:solidFill>
+                <a:latin typeface="Arial" panose="020B0604020202020204" pitchFamily="34" charset="0"/>
+              </a:rPr>
+              <a:t>f</a:t>
+            </a:r>
+            <a:r>
+              <a:rPr lang="en-US" altLang="zh-CN" dirty="0" smtClean="0">
+                <a:solidFill>
+                  <a:srgbClr val="FF0000"/>
+                </a:solidFill>
+                <a:latin typeface="Arial" panose="020B0604020202020204" pitchFamily="34" charset="0"/>
+              </a:rPr>
+              <a:t>(VCO </a:t>
+            </a:r>
+            <a:r>
+              <a:rPr lang="en-US" altLang="zh-CN" dirty="0">
+                <a:solidFill>
+                  <a:srgbClr val="FF0000"/>
+                </a:solidFill>
+                <a:latin typeface="Arial" panose="020B0604020202020204" pitchFamily="34" charset="0"/>
+              </a:rPr>
+              <a:t>clock) </a:t>
+            </a:r>
+            <a:r>
+              <a:rPr lang="en-US" altLang="zh-CN" sz="2400" dirty="0">
+                <a:solidFill>
+                  <a:srgbClr val="FF0000"/>
+                </a:solidFill>
+                <a:latin typeface="Arial" panose="020B0604020202020204" pitchFamily="34" charset="0"/>
+              </a:rPr>
+              <a:t>= </a:t>
+            </a:r>
+            <a:r>
+              <a:rPr lang="en-US" altLang="zh-CN" sz="2400" dirty="0" smtClean="0">
+                <a:solidFill>
+                  <a:srgbClr val="FF0000"/>
+                </a:solidFill>
+                <a:latin typeface="Arial" panose="020B0604020202020204" pitchFamily="34" charset="0"/>
+              </a:rPr>
+              <a:t>f</a:t>
+            </a:r>
+            <a:r>
+              <a:rPr lang="en-US" altLang="zh-CN" dirty="0" smtClean="0">
+                <a:solidFill>
+                  <a:srgbClr val="FF0000"/>
+                </a:solidFill>
+                <a:latin typeface="Arial" panose="020B0604020202020204" pitchFamily="34" charset="0"/>
+              </a:rPr>
+              <a:t>(PLL </a:t>
+            </a:r>
+            <a:r>
+              <a:rPr lang="en-US" altLang="zh-CN" dirty="0">
+                <a:solidFill>
+                  <a:srgbClr val="FF0000"/>
+                </a:solidFill>
+                <a:latin typeface="Arial" panose="020B0604020202020204" pitchFamily="34" charset="0"/>
+              </a:rPr>
+              <a:t>clock input) </a:t>
+            </a:r>
+            <a:r>
+              <a:rPr lang="en-US" altLang="zh-CN" sz="2400" dirty="0" smtClean="0">
+                <a:solidFill>
+                  <a:srgbClr val="FF0000"/>
+                </a:solidFill>
+                <a:latin typeface="Arial" panose="020B0604020202020204" pitchFamily="34" charset="0"/>
+              </a:rPr>
+              <a:t>× </a:t>
+            </a:r>
+            <a:r>
+              <a:rPr lang="en-US" altLang="zh-CN" sz="2400" dirty="0">
+                <a:solidFill>
+                  <a:srgbClr val="FF0000"/>
+                </a:solidFill>
+                <a:latin typeface="Arial" panose="020B0604020202020204" pitchFamily="34" charset="0"/>
+              </a:rPr>
+              <a:t>(PLLN / PLLM</a:t>
+            </a:r>
+            <a:r>
+              <a:rPr lang="en-US" altLang="zh-CN" sz="2400" dirty="0" smtClean="0">
+                <a:solidFill>
+                  <a:srgbClr val="FF0000"/>
+                </a:solidFill>
+                <a:latin typeface="Arial" panose="020B0604020202020204" pitchFamily="34" charset="0"/>
+              </a:rPr>
+              <a:t>)</a:t>
+            </a:r>
+            <a:endParaRPr lang="zh-CN" altLang="en-US" dirty="0">
+              <a:solidFill>
+                <a:srgbClr val="FF0000"/>
+              </a:solidFill>
+            </a:endParaRPr>
+          </a:p>
+        </p:txBody>
+      </p:sp>
+      <p:sp>
+        <p:nvSpPr>
+          <p:cNvPr id="8" name="矩形 7"/>
+          <p:cNvSpPr/>
+          <p:nvPr/>
+        </p:nvSpPr>
+        <p:spPr>
+          <a:xfrm>
+            <a:off x="5321300" y="2920072"/>
+            <a:ext cx="6096000" cy="461665"/>
+          </a:xfrm>
+          <a:prstGeom prst="rect">
+            <a:avLst/>
+          </a:prstGeom>
+        </p:spPr>
+        <p:txBody>
+          <a:bodyPr>
+            <a:spAutoFit/>
+          </a:bodyPr>
+          <a:lstStyle/>
+          <a:p>
+            <a:r>
+              <a:rPr lang="en-US" altLang="zh-CN" sz="2400" dirty="0" smtClean="0">
+                <a:solidFill>
+                  <a:srgbClr val="FF0000"/>
+                </a:solidFill>
+                <a:latin typeface="Arial" panose="020B0604020202020204" pitchFamily="34" charset="0"/>
+              </a:rPr>
+              <a:t>f</a:t>
+            </a:r>
+            <a:r>
+              <a:rPr lang="en-US" altLang="zh-CN" dirty="0" smtClean="0">
+                <a:solidFill>
+                  <a:srgbClr val="FF0000"/>
+                </a:solidFill>
+                <a:latin typeface="Arial" panose="020B0604020202020204" pitchFamily="34" charset="0"/>
+              </a:rPr>
+              <a:t>(PLL </a:t>
+            </a:r>
+            <a:r>
+              <a:rPr lang="en-US" altLang="zh-CN" dirty="0">
+                <a:solidFill>
+                  <a:srgbClr val="FF0000"/>
+                </a:solidFill>
+                <a:latin typeface="Arial" panose="020B0604020202020204" pitchFamily="34" charset="0"/>
+              </a:rPr>
+              <a:t>I2S clock output) </a:t>
+            </a:r>
+            <a:r>
+              <a:rPr lang="en-US" altLang="zh-CN" sz="2400" dirty="0">
+                <a:solidFill>
+                  <a:srgbClr val="FF0000"/>
+                </a:solidFill>
+                <a:latin typeface="Arial" panose="020B0604020202020204" pitchFamily="34" charset="0"/>
+              </a:rPr>
+              <a:t>= f</a:t>
+            </a:r>
+            <a:r>
+              <a:rPr lang="en-US" altLang="zh-CN" dirty="0">
+                <a:solidFill>
+                  <a:srgbClr val="FF0000"/>
+                </a:solidFill>
+                <a:latin typeface="Arial" panose="020B0604020202020204" pitchFamily="34" charset="0"/>
+              </a:rPr>
+              <a:t>(VCO clock) </a:t>
+            </a:r>
+            <a:r>
+              <a:rPr lang="en-US" altLang="zh-CN" sz="2400" dirty="0">
+                <a:solidFill>
+                  <a:srgbClr val="FF0000"/>
+                </a:solidFill>
+                <a:latin typeface="Arial" panose="020B0604020202020204" pitchFamily="34" charset="0"/>
+              </a:rPr>
+              <a:t>/ </a:t>
+            </a:r>
+            <a:r>
+              <a:rPr lang="en-US" altLang="zh-CN" sz="2400" dirty="0" smtClean="0">
+                <a:solidFill>
+                  <a:srgbClr val="FF0000"/>
+                </a:solidFill>
+                <a:latin typeface="Arial" panose="020B0604020202020204" pitchFamily="34" charset="0"/>
+              </a:rPr>
+              <a:t>PLLI2SR</a:t>
+            </a:r>
+            <a:endParaRPr lang="zh-CN" altLang="en-US" dirty="0">
+              <a:solidFill>
+                <a:srgbClr val="FF0000"/>
+              </a:solidFill>
+            </a:endParaRPr>
+          </a:p>
+        </p:txBody>
+      </p:sp>
+      <p:cxnSp>
+        <p:nvCxnSpPr>
+          <p:cNvPr id="10" name="直接箭头连接符 9"/>
+          <p:cNvCxnSpPr/>
+          <p:nvPr/>
+        </p:nvCxnSpPr>
+        <p:spPr>
+          <a:xfrm flipH="1">
+            <a:off x="3638552" y="2797692"/>
+            <a:ext cx="901699" cy="180007"/>
+          </a:xfrm>
+          <a:prstGeom prst="straightConnector1">
+            <a:avLst/>
+          </a:prstGeom>
+          <a:ln>
+            <a:tailEnd type="triangle"/>
+          </a:ln>
+        </p:spPr>
+        <p:style>
+          <a:lnRef idx="1">
+            <a:schemeClr val="accent1"/>
+          </a:lnRef>
+          <a:fillRef idx="0">
+            <a:schemeClr val="accent1"/>
+          </a:fillRef>
+          <a:effectRef idx="0">
+            <a:schemeClr val="accent1"/>
+          </a:effectRef>
+          <a:fontRef idx="minor">
+            <a:schemeClr val="tx1"/>
+          </a:fontRef>
+        </p:style>
+      </p:cxnSp>
+      <p:cxnSp>
+        <p:nvCxnSpPr>
+          <p:cNvPr id="13" name="直接箭头连接符 12"/>
+          <p:cNvCxnSpPr/>
+          <p:nvPr/>
+        </p:nvCxnSpPr>
+        <p:spPr>
+          <a:xfrm flipH="1">
+            <a:off x="4805082" y="3139752"/>
+            <a:ext cx="546100" cy="230833"/>
+          </a:xfrm>
+          <a:prstGeom prst="straightConnector1">
+            <a:avLst/>
+          </a:prstGeom>
+          <a:ln>
+            <a:tailEnd type="triangle"/>
+          </a:ln>
+        </p:spPr>
+        <p:style>
+          <a:lnRef idx="1">
+            <a:schemeClr val="accent1"/>
+          </a:lnRef>
+          <a:fillRef idx="0">
+            <a:schemeClr val="accent1"/>
+          </a:fillRef>
+          <a:effectRef idx="0">
+            <a:schemeClr val="accent1"/>
+          </a:effectRef>
+          <a:fontRef idx="minor">
+            <a:schemeClr val="tx1"/>
+          </a:fontRef>
+        </p:style>
+      </p:cxnSp>
+      <p:pic>
+        <p:nvPicPr>
+          <p:cNvPr id="14" name="图片 13"/>
+          <p:cNvPicPr>
+            <a:picLocks noChangeAspect="1"/>
+          </p:cNvPicPr>
+          <p:nvPr/>
+        </p:nvPicPr>
+        <p:blipFill>
+          <a:blip r:embed="rId3"/>
+          <a:stretch>
+            <a:fillRect/>
+          </a:stretch>
+        </p:blipFill>
+        <p:spPr>
+          <a:xfrm>
+            <a:off x="3227669" y="5281316"/>
+            <a:ext cx="7572375" cy="1543050"/>
+          </a:xfrm>
+          <a:prstGeom prst="rect">
+            <a:avLst/>
+          </a:prstGeom>
+        </p:spPr>
+      </p:pic>
+      <p:sp>
+        <p:nvSpPr>
+          <p:cNvPr id="15" name="矩形 14"/>
+          <p:cNvSpPr/>
+          <p:nvPr/>
+        </p:nvSpPr>
+        <p:spPr>
+          <a:xfrm>
+            <a:off x="838200" y="5858385"/>
+            <a:ext cx="6096000" cy="923330"/>
+          </a:xfrm>
+          <a:prstGeom prst="rect">
+            <a:avLst/>
+          </a:prstGeom>
+        </p:spPr>
+        <p:txBody>
+          <a:bodyPr>
+            <a:spAutoFit/>
+          </a:bodyPr>
+          <a:lstStyle/>
+          <a:p>
+            <a:r>
+              <a:rPr lang="en-US" altLang="zh-CN" b="1" dirty="0">
+                <a:solidFill>
+                  <a:srgbClr val="000000"/>
+                </a:solidFill>
+                <a:latin typeface="Arial" panose="020B0604020202020204" pitchFamily="34" charset="0"/>
+              </a:rPr>
+              <a:t>(RCC_PLLI2SCFGR</a:t>
+            </a:r>
+            <a:r>
+              <a:rPr lang="en-US" altLang="zh-CN" dirty="0">
+                <a:solidFill>
+                  <a:srgbClr val="000000"/>
+                </a:solidFill>
+                <a:latin typeface="Arial" panose="020B0604020202020204" pitchFamily="34" charset="0"/>
+              </a:rPr>
+              <a:t/>
+            </a:r>
+            <a:br>
+              <a:rPr lang="en-US" altLang="zh-CN" dirty="0">
+                <a:solidFill>
+                  <a:srgbClr val="000000"/>
+                </a:solidFill>
+                <a:latin typeface="Arial" panose="020B0604020202020204" pitchFamily="34" charset="0"/>
+              </a:rPr>
+            </a:br>
+            <a:r>
+              <a:rPr lang="en-US" altLang="zh-CN" dirty="0">
+                <a:solidFill>
+                  <a:srgbClr val="000000"/>
+                </a:solidFill>
+                <a:latin typeface="Arial" panose="020B0604020202020204" pitchFamily="34" charset="0"/>
+              </a:rPr>
+              <a:t/>
+            </a:r>
+            <a:br>
+              <a:rPr lang="en-US" altLang="zh-CN" dirty="0">
+                <a:solidFill>
+                  <a:srgbClr val="000000"/>
+                </a:solidFill>
+                <a:latin typeface="Arial" panose="020B0604020202020204" pitchFamily="34" charset="0"/>
+              </a:rPr>
+            </a:br>
+            <a:endParaRPr lang="zh-CN" altLang="en-US" dirty="0"/>
+          </a:p>
+        </p:txBody>
+      </p:sp>
+      <p:sp>
+        <p:nvSpPr>
+          <p:cNvPr id="16" name="矩形 15"/>
+          <p:cNvSpPr/>
+          <p:nvPr/>
+        </p:nvSpPr>
+        <p:spPr>
+          <a:xfrm>
+            <a:off x="9213986" y="4426455"/>
+            <a:ext cx="1300356" cy="369332"/>
+          </a:xfrm>
+          <a:prstGeom prst="rect">
+            <a:avLst/>
+          </a:prstGeom>
+        </p:spPr>
+        <p:txBody>
+          <a:bodyPr wrap="none">
+            <a:spAutoFit/>
+          </a:bodyPr>
+          <a:lstStyle/>
+          <a:p>
+            <a:r>
+              <a:rPr lang="zh-CN" altLang="en-US" smtClean="0"/>
+              <a:t>2 ≤ PLLR ≤ 7</a:t>
+            </a:r>
+            <a:endParaRPr lang="zh-CN" altLang="en-US" dirty="0"/>
+          </a:p>
+        </p:txBody>
+      </p:sp>
+      <p:sp>
+        <p:nvSpPr>
+          <p:cNvPr id="17" name="矩形 16"/>
+          <p:cNvSpPr/>
+          <p:nvPr/>
+        </p:nvSpPr>
+        <p:spPr>
+          <a:xfrm>
+            <a:off x="8727041" y="4749305"/>
+            <a:ext cx="2073003" cy="369332"/>
+          </a:xfrm>
+          <a:prstGeom prst="rect">
+            <a:avLst/>
+          </a:prstGeom>
+        </p:spPr>
+        <p:txBody>
+          <a:bodyPr wrap="none">
+            <a:spAutoFit/>
+          </a:bodyPr>
+          <a:lstStyle/>
+          <a:p>
+            <a:r>
+              <a:rPr lang="zh-CN" altLang="en-US" dirty="0"/>
+              <a:t>192 ≤ PLLI2SN ≤ 432</a:t>
+            </a:r>
+          </a:p>
+        </p:txBody>
+      </p:sp>
+    </p:spTree>
+    <p:extLst>
+      <p:ext uri="{BB962C8B-B14F-4D97-AF65-F5344CB8AC3E}">
+        <p14:creationId xmlns:p14="http://schemas.microsoft.com/office/powerpoint/2010/main" val="2634269648"/>
+      </p:ext>
+    </p:extLst>
+  </p:cSld>
+  <p:clrMapOvr>
+    <a:masterClrMapping/>
+  </p:clrMapOvr>
+  <p:timing>
+    <p:tnLst>
+      <p:par>
+        <p:cTn id="1" dur="indefinite" restart="never" nodeType="tmRoot"/>
+      </p:par>
+    </p:tnLst>
+  </p:timing>
 </p:sld>
 </file>
 
@@ -2403,4 +6473,265 @@
     </a:ext>
   </a:extLst>
 </a:theme>
+</file>
+
+<file path=ppt/theme/theme2.xml><?xml version="1.0" encoding="utf-8"?>
+<a:theme xmlns:a="http://schemas.openxmlformats.org/drawingml/2006/main" name="Office 主题">
+  <a:themeElements>
+    <a:clrScheme name="Office">
+      <a:dk1>
+        <a:sysClr val="windowText" lastClr="000000"/>
+      </a:dk1>
+      <a:lt1>
+        <a:sysClr val="window" lastClr="FFFFFF"/>
+      </a:lt1>
+      <a:dk2>
+        <a:srgbClr val="44546A"/>
+      </a:dk2>
+      <a:lt2>
+        <a:srgbClr val="E7E6E6"/>
+      </a:lt2>
+      <a:accent1>
+        <a:srgbClr val="5B9BD5"/>
+      </a:accent1>
+      <a:accent2>
+        <a:srgbClr val="ED7D31"/>
+      </a:accent2>
+      <a:accent3>
+        <a:srgbClr val="A5A5A5"/>
+      </a:accent3>
+      <a:accent4>
+        <a:srgbClr val="FFC000"/>
+      </a:accent4>
+      <a:accent5>
+        <a:srgbClr val="4472C4"/>
+      </a:accent5>
+      <a:accent6>
+        <a:srgbClr val="70AD47"/>
+      </a:accent6>
+      <a:hlink>
+        <a:srgbClr val="0563C1"/>
+      </a:hlink>
+      <a:folHlink>
+        <a:srgbClr val="954F72"/>
+      </a:folHlink>
+    </a:clrScheme>
+    <a:fontScheme name="Office">
+      <a:majorFont>
+        <a:latin typeface="Calibri Light" panose="020F0302020204030204"/>
+        <a:ea typeface=""/>
+        <a:cs typeface=""/>
+        <a:font script="Jpan" typeface="ＭＳ Ｐゴシック"/>
+        <a:font script="Hang" typeface="맑은 고딕"/>
+        <a:font script="Hans" typeface="宋体"/>
+        <a:font script="Hant" typeface="新細明體"/>
+        <a:font script="Arab" typeface="Times New Roman"/>
+        <a:font script="Hebr" typeface="Times New Roman"/>
+        <a:font script="Thai" typeface="Angsana New"/>
+        <a:font script="Ethi" typeface="Nyala"/>
+        <a:font script="Beng" typeface="Vrinda"/>
+        <a:font script="Gujr" typeface="Shruti"/>
+        <a:font script="Khmr" typeface="MoolBoran"/>
+        <a:font script="Knda" typeface="Tunga"/>
+        <a:font script="Guru" typeface="Raavi"/>
+        <a:font script="Cans" typeface="Euphemia"/>
+        <a:font script="Cher" typeface="Plantagenet Cherokee"/>
+        <a:font script="Yiii" typeface="Microsoft Yi Baiti"/>
+        <a:font script="Tibt" typeface="Microsoft Himalaya"/>
+        <a:font script="Thaa" typeface="MV Boli"/>
+        <a:font script="Deva" typeface="Mangal"/>
+        <a:font script="Telu" typeface="Gautami"/>
+        <a:font script="Taml" typeface="Latha"/>
+        <a:font script="Syrc" typeface="Estrangelo Edessa"/>
+        <a:font script="Orya" typeface="Kalinga"/>
+        <a:font script="Mlym" typeface="Kartika"/>
+        <a:font script="Laoo" typeface="DokChampa"/>
+        <a:font script="Sinh" typeface="Iskoola Pota"/>
+        <a:font script="Mong" typeface="Mongolian Baiti"/>
+        <a:font script="Viet" typeface="Times New Roman"/>
+        <a:font script="Uigh" typeface="Microsoft Uighur"/>
+        <a:font script="Geor" typeface="Sylfaen"/>
+      </a:majorFont>
+      <a:minorFont>
+        <a:latin typeface="Calibri" panose="020F0502020204030204"/>
+        <a:ea typeface=""/>
+        <a:cs typeface=""/>
+        <a:font script="Jpan" typeface="ＭＳ Ｐゴシック"/>
+        <a:font script="Hang" typeface="맑은 고딕"/>
+        <a:font script="Hans" typeface="宋体"/>
+        <a:font script="Hant" typeface="新細明體"/>
+        <a:font script="Arab" typeface="Arial"/>
+        <a:font script="Hebr" typeface="Arial"/>
+        <a:font script="Thai" typeface="Cordia New"/>
+        <a:font script="Ethi" typeface="Nyala"/>
+        <a:font script="Beng" typeface="Vrinda"/>
+        <a:font script="Gujr" typeface="Shruti"/>
+        <a:font script="Khmr" typeface="DaunPenh"/>
+        <a:font script="Knda" typeface="Tunga"/>
+        <a:font script="Guru" typeface="Raavi"/>
+        <a:font script="Cans" typeface="Euphemia"/>
+        <a:font script="Cher" typeface="Plantagenet Cherokee"/>
+        <a:font script="Yiii" typeface="Microsoft Yi Baiti"/>
+        <a:font script="Tibt" typeface="Microsoft Himalaya"/>
+        <a:font script="Thaa" typeface="MV Boli"/>
+        <a:font script="Deva" typeface="Mangal"/>
+        <a:font script="Telu" typeface="Gautami"/>
+        <a:font script="Taml" typeface="Latha"/>
+        <a:font script="Syrc" typeface="Estrangelo Edessa"/>
+        <a:font script="Orya" typeface="Kalinga"/>
+        <a:font script="Mlym" typeface="Kartika"/>
+        <a:font script="Laoo" typeface="DokChampa"/>
+        <a:font script="Sinh" typeface="Iskoola Pota"/>
+        <a:font script="Mong" typeface="Mongolian Baiti"/>
+        <a:font script="Viet" typeface="Arial"/>
+        <a:font script="Uigh" typeface="Microsoft Uighur"/>
+        <a:font script="Geor" typeface="Sylfaen"/>
+      </a:minorFont>
+    </a:fontScheme>
+    <a:fmtScheme name="Office">
+      <a:fillStyleLst>
+        <a:solidFill>
+          <a:schemeClr val="phClr"/>
+        </a:solidFill>
+        <a:gradFill rotWithShape="1">
+          <a:gsLst>
+            <a:gs pos="0">
+              <a:schemeClr val="phClr">
+                <a:lumMod val="110000"/>
+                <a:satMod val="105000"/>
+                <a:tint val="67000"/>
+              </a:schemeClr>
+            </a:gs>
+            <a:gs pos="50000">
+              <a:schemeClr val="phClr">
+                <a:lumMod val="105000"/>
+                <a:satMod val="103000"/>
+                <a:tint val="73000"/>
+              </a:schemeClr>
+            </a:gs>
+            <a:gs pos="100000">
+              <a:schemeClr val="phClr">
+                <a:lumMod val="105000"/>
+                <a:satMod val="109000"/>
+                <a:tint val="81000"/>
+              </a:schemeClr>
+            </a:gs>
+          </a:gsLst>
+          <a:lin ang="5400000" scaled="0"/>
+        </a:gradFill>
+        <a:gradFill rotWithShape="1">
+          <a:gsLst>
+            <a:gs pos="0">
+              <a:schemeClr val="phClr">
+                <a:satMod val="103000"/>
+                <a:lumMod val="102000"/>
+                <a:tint val="94000"/>
+              </a:schemeClr>
+            </a:gs>
+            <a:gs pos="50000">
+              <a:schemeClr val="phClr">
+                <a:satMod val="110000"/>
+                <a:lumMod val="100000"/>
+                <a:shade val="100000"/>
+              </a:schemeClr>
+            </a:gs>
+            <a:gs pos="100000">
+              <a:schemeClr val="phClr">
+                <a:lumMod val="99000"/>
+                <a:satMod val="120000"/>
+                <a:shade val="78000"/>
+              </a:schemeClr>
+            </a:gs>
+          </a:gsLst>
+          <a:lin ang="5400000" scaled="0"/>
+        </a:gradFill>
+      </a:fillStyleLst>
+      <a:lnStyleLst>
+        <a:ln w="6350" cap="flat" cmpd="sng" algn="ctr">
+          <a:solidFill>
+            <a:schemeClr val="phClr"/>
+          </a:solidFill>
+          <a:prstDash val="solid"/>
+          <a:miter lim="800000"/>
+        </a:ln>
+        <a:ln w="12700" cap="flat" cmpd="sng" algn="ctr">
+          <a:solidFill>
+            <a:schemeClr val="phClr"/>
+          </a:solidFill>
+          <a:prstDash val="solid"/>
+          <a:miter lim="800000"/>
+        </a:ln>
+        <a:ln w="19050" cap="flat" cmpd="sng" algn="ctr">
+          <a:solidFill>
+            <a:schemeClr val="phClr"/>
+          </a:solidFill>
+          <a:prstDash val="solid"/>
+          <a:miter lim="800000"/>
+        </a:ln>
+      </a:lnStyleLst>
+      <a:effectStyleLst>
+        <a:effectStyle>
+          <a:effectLst/>
+        </a:effectStyle>
+        <a:effectStyle>
+          <a:effectLst/>
+        </a:effectStyle>
+        <a:effectStyle>
+          <a:effectLst>
+            <a:outerShdw blurRad="57150" dist="19050" dir="5400000" algn="ctr" rotWithShape="0">
+              <a:srgbClr val="000000">
+                <a:alpha val="63000"/>
+              </a:srgbClr>
+            </a:outerShdw>
+          </a:effectLst>
+        </a:effectStyle>
+      </a:effectStyleLst>
+      <a:bgFillStyleLst>
+        <a:solidFill>
+          <a:schemeClr val="phClr"/>
+        </a:solidFill>
+        <a:solidFill>
+          <a:schemeClr val="phClr">
+            <a:tint val="95000"/>
+            <a:satMod val="170000"/>
+          </a:schemeClr>
+        </a:solidFill>
+        <a:gradFill rotWithShape="1">
+          <a:gsLst>
+            <a:gs pos="0">
+              <a:schemeClr val="phClr">
+                <a:tint val="93000"/>
+                <a:satMod val="150000"/>
+                <a:shade val="98000"/>
+                <a:lumMod val="102000"/>
+              </a:schemeClr>
+            </a:gs>
+            <a:gs pos="50000">
+              <a:schemeClr val="phClr">
+                <a:tint val="98000"/>
+                <a:satMod val="130000"/>
+                <a:shade val="90000"/>
+                <a:lumMod val="103000"/>
+              </a:schemeClr>
+            </a:gs>
+            <a:gs pos="100000">
+              <a:schemeClr val="phClr">
+                <a:shade val="63000"/>
+                <a:satMod val="120000"/>
+              </a:schemeClr>
+            </a:gs>
+          </a:gsLst>
+          <a:lin ang="5400000" scaled="0"/>
+        </a:gradFill>
+      </a:bgFillStyleLst>
+    </a:fmtScheme>
+  </a:themeElements>
+  <a:objectDefaults/>
+  <a:extraClrSchemeLst/>
+  <a:extLst>
+    <a:ext uri="{05A4C25C-085E-4340-85A3-A5531E510DB2}">
+      <thm15:themeFamily xmlns:thm15="http://schemas.microsoft.com/office/thememl/2012/main" name="Office Theme" id="{62F939B6-93AF-4DB8-9C6B-D6C7DFDC589F}" vid="{4A3C46E8-61CC-4603-A589-7422A47A8E4A}"/>
+    </a:ext>
+  </a:extLst>
+</a:theme>
 </file>